--- a/docs/ppt/MP-new.pptx
+++ b/docs/ppt/MP-new.pptx
@@ -23,12 +23,12 @@
     <p:sldId id="261" r:id="rId12"/>
     <p:sldId id="262" r:id="rId13"/>
     <p:sldId id="263" r:id="rId15"/>
-    <p:sldId id="288" r:id="rId16"/>
-    <p:sldId id="283" r:id="rId17"/>
-    <p:sldId id="287" r:id="rId18"/>
-    <p:sldId id="285" r:id="rId19"/>
-    <p:sldId id="286" r:id="rId20"/>
-    <p:sldId id="264" r:id="rId21"/>
+    <p:sldId id="283" r:id="rId16"/>
+    <p:sldId id="287" r:id="rId17"/>
+    <p:sldId id="285" r:id="rId18"/>
+    <p:sldId id="311" r:id="rId19"/>
+    <p:sldId id="264" r:id="rId20"/>
+    <p:sldId id="312" r:id="rId21"/>
     <p:sldId id="265" r:id="rId22"/>
     <p:sldId id="268" r:id="rId23"/>
     <p:sldId id="266" r:id="rId24"/>
@@ -133,7 +133,7 @@
   <p:extLst>
     <p:ext uri="{EFAFB233-063F-42B5-8137-9DF3F51BA10A}">
       <p15:sldGuideLst xmlns:p15="http://schemas.microsoft.com/office/powerpoint/2012/main">
-        <p15:guide id="1" orient="horz" pos="2160" userDrawn="1">
+        <p15:guide id="1" orient="horz" pos="2159" userDrawn="1">
           <p15:clr>
             <a:srgbClr val="A4A3A4"/>
           </p15:clr>
@@ -4598,11 +4598,11 @@
         </a:p>
       </dgm:t>
     </dgm:pt>
-    <dgm:pt modelId="{AE112D33-5F98-4F7D-9093-9C05335F7213}" cxnId="{BC3AD9B8-4DCF-457D-95F0-38F2970BB545}" type="parTrans">
+    <dgm:pt modelId="{AE112D33-5F98-4F7D-9093-9C05335F7213}" cxnId="{05AD0E0C-DB0E-4B18-B3F8-21ABD81A2C3D}" type="parTrans">
       <dgm:prSet/>
       <dgm:spPr/>
     </dgm:pt>
-    <dgm:pt modelId="{3FA4F201-BAC1-45EF-861A-654805052972}" cxnId="{BC3AD9B8-4DCF-457D-95F0-38F2970BB545}" type="sibTrans">
+    <dgm:pt modelId="{3FA4F201-BAC1-45EF-861A-654805052972}" cxnId="{05AD0E0C-DB0E-4B18-B3F8-21ABD81A2C3D}" type="sibTrans">
       <dgm:prSet/>
       <dgm:spPr/>
       <dgm:t>
@@ -4635,7 +4635,14 @@
               <a:latin typeface="Times New Roman" panose="02020603050405020304" charset="0"/>
               <a:cs typeface="Times New Roman" panose="02020603050405020304" charset="0"/>
             </a:rPr>
-            <a:t> 2. AES encryption – N - times</a:t>
+            <a:t> 2. </a:t>
+          </a:r>
+          <a:r>
+            <a:rPr lang="en-US" sz="1600" dirty="0">
+              <a:latin typeface="Times New Roman" panose="02020603050405020304" charset="0"/>
+              <a:cs typeface="Times New Roman" panose="02020603050405020304" charset="0"/>
+            </a:rPr>
+            <a:t>Encrypt the text using AES.</a:t>
           </a:r>
           <a:r>
             <a:rPr lang="en-US" sz="1600" dirty="0">
@@ -4651,11 +4658,11 @@
         </a:p>
       </dgm:t>
     </dgm:pt>
-    <dgm:pt modelId="{FC76DA7C-535C-4045-9808-913A03B0AB12}" cxnId="{FB6934B0-4029-4F93-8F6E-12B79B8EF340}" type="parTrans">
+    <dgm:pt modelId="{FC76DA7C-535C-4045-9808-913A03B0AB12}" cxnId="{5E27B413-AE88-4222-8B61-07C8FCF11CCA}" type="parTrans">
       <dgm:prSet/>
       <dgm:spPr/>
     </dgm:pt>
-    <dgm:pt modelId="{C54131B5-0E4A-41A7-A317-34A665707F3F}" cxnId="{FB6934B0-4029-4F93-8F6E-12B79B8EF340}" type="sibTrans">
+    <dgm:pt modelId="{C54131B5-0E4A-41A7-A317-34A665707F3F}" cxnId="{5E27B413-AE88-4222-8B61-07C8FCF11CCA}" type="sibTrans">
       <dgm:prSet/>
       <dgm:spPr/>
       <dgm:t>
@@ -4667,7 +4674,7 @@
       </dgm:t>
     </dgm:pt>
     <dgm:pt modelId="{E8E0430A-4205-46D6-A3C1-283DBAAC1EA1}">
-      <dgm:prSet phldrT="[Text]" phldr="0" custT="0"/>
+      <dgm:prSet phldrT="[Text]" phldr="0" custT="1"/>
       <dgm:spPr/>
       <dgm:t>
         <a:bodyPr vert="horz" wrap="square"/>
@@ -4684,57 +4691,44 @@
             </a:spcAft>
           </a:pPr>
           <a:r>
-            <a:rPr lang="en-US" dirty="0">
+            <a:rPr lang="en-US" sz="1600" dirty="0">
               <a:latin typeface="Times New Roman" panose="02020603050405020304" charset="0"/>
               <a:cs typeface="Times New Roman" panose="02020603050405020304" charset="0"/>
             </a:rPr>
-            <a:t>3. N_AES_Based Cipher</a:t>
+            <a:t>3. </a:t>
+          </a:r>
+          <a:r>
+            <a:rPr lang="en-IN" altLang="en-US" sz="1600" dirty="0">
+              <a:latin typeface="Times New Roman" panose="02020603050405020304" charset="0"/>
+              <a:cs typeface="Times New Roman" panose="02020603050405020304" charset="0"/>
+            </a:rPr>
+            <a:t> Encrypt the AES key using RSA Public key</a:t>
           </a:r>
           <a:br>
-            <a:rPr lang="en-US" dirty="0">
+            <a:rPr lang="en-US" sz="2400" dirty="0">
               <a:latin typeface="Times New Roman" panose="02020603050405020304" charset="0"/>
               <a:cs typeface="Times New Roman" panose="02020603050405020304" charset="0"/>
             </a:rPr>
           </a:br>
           <a:r>
-            <a:rPr lang="en-US" dirty="0">
-              <a:latin typeface="Times New Roman" panose="02020603050405020304" charset="0"/>
-              <a:cs typeface="Times New Roman" panose="02020603050405020304" charset="0"/>
-            </a:rPr>
-            <a:t>&amp;</a:t>
-          </a:r>
-          <a:br>
-            <a:rPr lang="en-US" dirty="0">
-              <a:latin typeface="Times New Roman" panose="02020603050405020304" charset="0"/>
-              <a:cs typeface="Times New Roman" panose="02020603050405020304" charset="0"/>
-            </a:rPr>
-          </a:br>
-          <a:r>
-            <a:rPr lang="en-US" dirty="0">
-              <a:latin typeface="Times New Roman" panose="02020603050405020304" charset="0"/>
-              <a:cs typeface="Times New Roman" panose="02020603050405020304" charset="0"/>
-            </a:rPr>
-            <a:t>AES encrypted key</a:t>
-          </a:r>
-          <a:r>
-            <a:rPr lang="en-US" dirty="0">
+            <a:rPr lang="en-US" sz="2400" dirty="0">
               <a:latin typeface="Times New Roman" panose="02020603050405020304" charset="0"/>
               <a:cs typeface="Times New Roman" panose="02020603050405020304" charset="0"/>
             </a:rPr>
             <a:t/>
           </a:r>
-          <a:endParaRPr lang="en-US" dirty="0">
+          <a:endParaRPr lang="en-US" sz="2400" dirty="0">
             <a:latin typeface="Times New Roman" panose="02020603050405020304" charset="0"/>
             <a:cs typeface="Times New Roman" panose="02020603050405020304" charset="0"/>
           </a:endParaRPr>
         </a:p>
       </dgm:t>
     </dgm:pt>
-    <dgm:pt modelId="{F11EE081-47EB-41C3-9961-57D87A367A37}" cxnId="{0B67B782-600D-4250-BE82-57085E5EF0FC}" type="parTrans">
+    <dgm:pt modelId="{F11EE081-47EB-41C3-9961-57D87A367A37}" cxnId="{0D3C2243-6F90-48A7-9BD7-25CB51D040C0}" type="parTrans">
       <dgm:prSet/>
       <dgm:spPr/>
     </dgm:pt>
-    <dgm:pt modelId="{ABD9E076-75A4-41B1-9D40-64A2151C334F}" cxnId="{0B67B782-600D-4250-BE82-57085E5EF0FC}" type="sibTrans">
+    <dgm:pt modelId="{ABD9E076-75A4-41B1-9D40-64A2151C334F}" cxnId="{0D3C2243-6F90-48A7-9BD7-25CB51D040C0}" type="sibTrans">
       <dgm:prSet/>
       <dgm:spPr/>
       <dgm:t>
@@ -4767,7 +4761,21 @@
               <a:latin typeface="Times New Roman" panose="02020603050405020304" charset="0"/>
               <a:cs typeface="Times New Roman" panose="02020603050405020304" charset="0"/>
             </a:rPr>
-            <a:t>4. RSA based encryption</a:t>
+            <a:t>4. </a:t>
+          </a:r>
+          <a:r>
+            <a:rPr lang="en-IN" altLang="en-US" sz="1600" dirty="0">
+              <a:latin typeface="Times New Roman" panose="02020603050405020304" charset="0"/>
+              <a:cs typeface="Times New Roman" panose="02020603050405020304" charset="0"/>
+            </a:rPr>
+            <a:t>Obtain </a:t>
+          </a:r>
+          <a:r>
+            <a:rPr lang="en-US" sz="1600" dirty="0">
+              <a:latin typeface="Times New Roman" panose="02020603050405020304" charset="0"/>
+              <a:cs typeface="Times New Roman" panose="02020603050405020304" charset="0"/>
+            </a:rPr>
+            <a:t>AES-encrypted text and the RSA-encrypted AES key</a:t>
           </a:r>
           <a:r>
             <a:rPr lang="en-US" sz="1600" dirty="0">
@@ -4783,11 +4791,11 @@
         </a:p>
       </dgm:t>
     </dgm:pt>
-    <dgm:pt modelId="{EA100E37-F3DC-44EE-B739-CA6FB60264FA}" cxnId="{45817679-B47D-440E-AD27-69AABD2E59F1}" type="parTrans">
+    <dgm:pt modelId="{EA100E37-F3DC-44EE-B739-CA6FB60264FA}" cxnId="{D652D597-2329-4B92-A043-BDFA44F38A62}" type="parTrans">
       <dgm:prSet/>
       <dgm:spPr/>
     </dgm:pt>
-    <dgm:pt modelId="{C7B71C67-6B8B-451C-A9A4-A475235B3CD4}" cxnId="{45817679-B47D-440E-AD27-69AABD2E59F1}" type="sibTrans">
+    <dgm:pt modelId="{C7B71C67-6B8B-451C-A9A4-A475235B3CD4}" cxnId="{D652D597-2329-4B92-A043-BDFA44F38A62}" type="sibTrans">
       <dgm:prSet/>
       <dgm:spPr/>
       <dgm:t>
@@ -4820,13 +4828,6 @@
               <a:latin typeface="Times New Roman" panose="02020603050405020304" charset="0"/>
               <a:cs typeface="Times New Roman" panose="02020603050405020304" charset="0"/>
             </a:rPr>
-            <a:t>5. RSA based Cipher</a:t>
-          </a:r>
-          <a:r>
-            <a:rPr lang="en-US" sz="1600" dirty="0">
-              <a:latin typeface="Times New Roman" panose="02020603050405020304" charset="0"/>
-              <a:cs typeface="Times New Roman" panose="02020603050405020304" charset="0"/>
-            </a:rPr>
             <a:t/>
           </a:r>
           <a:endParaRPr lang="en-US" sz="1600" dirty="0">
@@ -4836,11 +4837,11 @@
         </a:p>
       </dgm:t>
     </dgm:pt>
-    <dgm:pt modelId="{C71EF6B2-3762-478F-AC79-53519F9640FF}" cxnId="{E402D421-9453-48EE-A504-CB28911C1887}" type="parTrans">
+    <dgm:pt modelId="{C71EF6B2-3762-478F-AC79-53519F9640FF}" cxnId="{249514ED-B979-4E38-A3AF-2A41C354E93F}" type="parTrans">
       <dgm:prSet/>
       <dgm:spPr/>
     </dgm:pt>
-    <dgm:pt modelId="{B1D59DAC-7445-436B-96DE-AF58DB150669}" cxnId="{E402D421-9453-48EE-A504-CB28911C1887}" type="sibTrans">
+    <dgm:pt modelId="{B1D59DAC-7445-436B-96DE-AF58DB150669}" cxnId="{249514ED-B979-4E38-A3AF-2A41C354E93F}" type="sibTrans">
       <dgm:prSet/>
       <dgm:spPr/>
     </dgm:pt>
@@ -4971,37 +4972,37 @@
     </dgm:pt>
   </dgm:ptLst>
   <dgm:cxnLst>
-    <dgm:cxn modelId="{BC3AD9B8-4DCF-457D-95F0-38F2970BB545}" srcId="{259E2220-03A6-4301-B83C-6ED303AEAC4B}" destId="{FBCA7F3C-878D-4406-A8E6-96D22530D603}" srcOrd="0" destOrd="0" parTransId="{AE112D33-5F98-4F7D-9093-9C05335F7213}" sibTransId="{3FA4F201-BAC1-45EF-861A-654805052972}"/>
-    <dgm:cxn modelId="{FB6934B0-4029-4F93-8F6E-12B79B8EF340}" srcId="{259E2220-03A6-4301-B83C-6ED303AEAC4B}" destId="{7E716C56-CB2C-420C-B6ED-A63A58D72FDD}" srcOrd="1" destOrd="0" parTransId="{FC76DA7C-535C-4045-9808-913A03B0AB12}" sibTransId="{C54131B5-0E4A-41A7-A317-34A665707F3F}"/>
-    <dgm:cxn modelId="{0B67B782-600D-4250-BE82-57085E5EF0FC}" srcId="{259E2220-03A6-4301-B83C-6ED303AEAC4B}" destId="{E8E0430A-4205-46D6-A3C1-283DBAAC1EA1}" srcOrd="2" destOrd="0" parTransId="{F11EE081-47EB-41C3-9961-57D87A367A37}" sibTransId="{ABD9E076-75A4-41B1-9D40-64A2151C334F}"/>
-    <dgm:cxn modelId="{45817679-B47D-440E-AD27-69AABD2E59F1}" srcId="{259E2220-03A6-4301-B83C-6ED303AEAC4B}" destId="{7F0350C3-8A9A-47DF-B89E-15208710CE53}" srcOrd="3" destOrd="0" parTransId="{EA100E37-F3DC-44EE-B739-CA6FB60264FA}" sibTransId="{C7B71C67-6B8B-451C-A9A4-A475235B3CD4}"/>
-    <dgm:cxn modelId="{E402D421-9453-48EE-A504-CB28911C1887}" srcId="{259E2220-03A6-4301-B83C-6ED303AEAC4B}" destId="{7B3165FF-1535-4762-B886-5EC661445B35}" srcOrd="4" destOrd="0" parTransId="{C71EF6B2-3762-478F-AC79-53519F9640FF}" sibTransId="{B1D59DAC-7445-436B-96DE-AF58DB150669}"/>
-    <dgm:cxn modelId="{4FB7432E-E136-48EE-9E4D-479024977BB3}" type="presOf" srcId="{259E2220-03A6-4301-B83C-6ED303AEAC4B}" destId="{35DC4082-E8D4-46C0-90C7-3CE572DE752D}" srcOrd="0" destOrd="0" presId="urn:microsoft.com/office/officeart/2008/layout/LinedList"/>
-    <dgm:cxn modelId="{E24AB63F-93A1-4B4D-AADF-F0E4CB432551}" type="presParOf" srcId="{35DC4082-E8D4-46C0-90C7-3CE572DE752D}" destId="{375B84B4-17F2-4DAE-93DE-E0C63D2F29EF}" srcOrd="0" destOrd="0" presId="urn:microsoft.com/office/officeart/2008/layout/LinedList"/>
-    <dgm:cxn modelId="{09DFDCB7-3AED-4EA7-A895-A28F91EB6FC8}" type="presParOf" srcId="{35DC4082-E8D4-46C0-90C7-3CE572DE752D}" destId="{00A902BB-0ACB-4F3E-8FA8-31A577E9EC0A}" srcOrd="1" destOrd="0" presId="urn:microsoft.com/office/officeart/2008/layout/LinedList"/>
-    <dgm:cxn modelId="{02FCA246-0D56-4362-A65F-135E1D6AAB1C}" type="presParOf" srcId="{00A902BB-0ACB-4F3E-8FA8-31A577E9EC0A}" destId="{1889DCB5-F699-473A-B5AE-F18002EF2FB9}" srcOrd="0" destOrd="1" presId="urn:microsoft.com/office/officeart/2008/layout/LinedList"/>
-    <dgm:cxn modelId="{AF9A5C64-517D-4BF7-B873-04840B2CDA8A}" type="presOf" srcId="{FBCA7F3C-878D-4406-A8E6-96D22530D603}" destId="{1889DCB5-F699-473A-B5AE-F18002EF2FB9}" srcOrd="0" destOrd="0" presId="urn:microsoft.com/office/officeart/2008/layout/LinedList"/>
-    <dgm:cxn modelId="{8E0AF390-91D3-4BF6-85F2-CBCFB99FBCD6}" type="presParOf" srcId="{00A902BB-0ACB-4F3E-8FA8-31A577E9EC0A}" destId="{7BDDB84B-2519-49B0-8766-4D3A92CF349E}" srcOrd="1" destOrd="1" presId="urn:microsoft.com/office/officeart/2008/layout/LinedList"/>
-    <dgm:cxn modelId="{19EDAE4E-79B3-404E-B99A-9FA0A4661079}" type="presParOf" srcId="{35DC4082-E8D4-46C0-90C7-3CE572DE752D}" destId="{C36106C5-FF71-4AC4-AA50-1EADF1B824D0}" srcOrd="2" destOrd="0" presId="urn:microsoft.com/office/officeart/2008/layout/LinedList"/>
-    <dgm:cxn modelId="{EDF82054-C9A0-454A-95AE-D2125C815261}" type="presParOf" srcId="{35DC4082-E8D4-46C0-90C7-3CE572DE752D}" destId="{F0DA2CD2-2962-4C56-932F-964BDC35DF04}" srcOrd="3" destOrd="0" presId="urn:microsoft.com/office/officeart/2008/layout/LinedList"/>
-    <dgm:cxn modelId="{9F2B50D9-B92E-4D3C-9D24-7394AAD92F82}" type="presParOf" srcId="{F0DA2CD2-2962-4C56-932F-964BDC35DF04}" destId="{170EDD2C-1DAC-402A-84F3-9C3D6A8A5B31}" srcOrd="0" destOrd="3" presId="urn:microsoft.com/office/officeart/2008/layout/LinedList"/>
-    <dgm:cxn modelId="{09BADA60-22CB-43FC-B4F6-D13DC523DCDF}" type="presOf" srcId="{7E716C56-CB2C-420C-B6ED-A63A58D72FDD}" destId="{170EDD2C-1DAC-402A-84F3-9C3D6A8A5B31}" srcOrd="0" destOrd="0" presId="urn:microsoft.com/office/officeart/2008/layout/LinedList"/>
-    <dgm:cxn modelId="{567E1330-0EA2-40F8-93D2-985DCD2C8027}" type="presParOf" srcId="{F0DA2CD2-2962-4C56-932F-964BDC35DF04}" destId="{D9C73F23-0A18-435C-9355-8F2107CEDEAF}" srcOrd="1" destOrd="3" presId="urn:microsoft.com/office/officeart/2008/layout/LinedList"/>
-    <dgm:cxn modelId="{A3B3A088-A740-40EB-8774-35B2FD35E4F8}" type="presParOf" srcId="{35DC4082-E8D4-46C0-90C7-3CE572DE752D}" destId="{8497A164-C556-496A-A01B-3613BCE0CF84}" srcOrd="4" destOrd="0" presId="urn:microsoft.com/office/officeart/2008/layout/LinedList"/>
-    <dgm:cxn modelId="{94772FC1-07FE-414D-90F8-CE4DB400C19C}" type="presParOf" srcId="{35DC4082-E8D4-46C0-90C7-3CE572DE752D}" destId="{E9A3FDB9-EB5F-4CD0-8E73-277C8F4EAE89}" srcOrd="5" destOrd="0" presId="urn:microsoft.com/office/officeart/2008/layout/LinedList"/>
-    <dgm:cxn modelId="{D6DEB847-A5A7-4F9F-9EDA-FC9F8C219CFD}" type="presParOf" srcId="{E9A3FDB9-EB5F-4CD0-8E73-277C8F4EAE89}" destId="{762A1FA9-396E-421C-A574-653EC6F2491A}" srcOrd="0" destOrd="5" presId="urn:microsoft.com/office/officeart/2008/layout/LinedList"/>
-    <dgm:cxn modelId="{01959836-4DD4-41F3-A973-C0FE1B01639B}" type="presOf" srcId="{E8E0430A-4205-46D6-A3C1-283DBAAC1EA1}" destId="{762A1FA9-396E-421C-A574-653EC6F2491A}" srcOrd="0" destOrd="0" presId="urn:microsoft.com/office/officeart/2008/layout/LinedList"/>
-    <dgm:cxn modelId="{DF567931-E188-4ABF-BFBD-46993AE6EDB3}" type="presParOf" srcId="{E9A3FDB9-EB5F-4CD0-8E73-277C8F4EAE89}" destId="{A5175A97-F25B-48C6-8EE7-03F911AE967A}" srcOrd="1" destOrd="5" presId="urn:microsoft.com/office/officeart/2008/layout/LinedList"/>
-    <dgm:cxn modelId="{4C7811E4-4597-4B2C-87D8-E2F236B56741}" type="presParOf" srcId="{35DC4082-E8D4-46C0-90C7-3CE572DE752D}" destId="{538901A7-8F1A-4E26-A645-5DEA3A01F757}" srcOrd="6" destOrd="0" presId="urn:microsoft.com/office/officeart/2008/layout/LinedList"/>
-    <dgm:cxn modelId="{66E0D51D-A358-435B-9A5A-909B867789C7}" type="presParOf" srcId="{35DC4082-E8D4-46C0-90C7-3CE572DE752D}" destId="{A8777D18-0A8E-43E6-B9C3-6CA20C29C949}" srcOrd="7" destOrd="0" presId="urn:microsoft.com/office/officeart/2008/layout/LinedList"/>
-    <dgm:cxn modelId="{D0C2CF4C-0AEB-4A2E-B8C2-0245114290C5}" type="presParOf" srcId="{A8777D18-0A8E-43E6-B9C3-6CA20C29C949}" destId="{289BDD90-B040-479F-9E46-58304BB1A2E1}" srcOrd="0" destOrd="7" presId="urn:microsoft.com/office/officeart/2008/layout/LinedList"/>
-    <dgm:cxn modelId="{8149322B-731A-4193-A5E7-462B1560F51C}" type="presOf" srcId="{7F0350C3-8A9A-47DF-B89E-15208710CE53}" destId="{289BDD90-B040-479F-9E46-58304BB1A2E1}" srcOrd="0" destOrd="0" presId="urn:microsoft.com/office/officeart/2008/layout/LinedList"/>
-    <dgm:cxn modelId="{6EA09827-1BCD-4A7C-B7D4-FF9D50FF9446}" type="presParOf" srcId="{A8777D18-0A8E-43E6-B9C3-6CA20C29C949}" destId="{060EFBB6-756D-4248-A1B8-DC8C32DA5C62}" srcOrd="1" destOrd="7" presId="urn:microsoft.com/office/officeart/2008/layout/LinedList"/>
-    <dgm:cxn modelId="{69FD1B18-BF0B-41AF-B34D-24B697465A60}" type="presParOf" srcId="{35DC4082-E8D4-46C0-90C7-3CE572DE752D}" destId="{E545455C-FC7A-4F79-B6DD-FAE96704422E}" srcOrd="8" destOrd="0" presId="urn:microsoft.com/office/officeart/2008/layout/LinedList"/>
-    <dgm:cxn modelId="{ECF23E5D-EF16-495D-B6EC-7FE0C2E4A73D}" type="presParOf" srcId="{35DC4082-E8D4-46C0-90C7-3CE572DE752D}" destId="{3D59CBE4-AED3-4941-B663-F01B931BD14A}" srcOrd="9" destOrd="0" presId="urn:microsoft.com/office/officeart/2008/layout/LinedList"/>
-    <dgm:cxn modelId="{E20380C9-6F00-4B0A-9844-4C426D9862D0}" type="presParOf" srcId="{3D59CBE4-AED3-4941-B663-F01B931BD14A}" destId="{0462F9E1-7B37-42DF-9C2E-2ABE1D63C315}" srcOrd="0" destOrd="9" presId="urn:microsoft.com/office/officeart/2008/layout/LinedList"/>
-    <dgm:cxn modelId="{C6FDC697-23E1-4AD3-97E2-A84F01B2B159}" type="presOf" srcId="{7B3165FF-1535-4762-B886-5EC661445B35}" destId="{0462F9E1-7B37-42DF-9C2E-2ABE1D63C315}" srcOrd="0" destOrd="0" presId="urn:microsoft.com/office/officeart/2008/layout/LinedList"/>
-    <dgm:cxn modelId="{7AEDDDEC-0C37-4D36-931F-5BF56FF1A7EF}" type="presParOf" srcId="{3D59CBE4-AED3-4941-B663-F01B931BD14A}" destId="{1AA2FE5D-747E-420E-A7AB-4B71383AF8C5}" srcOrd="1" destOrd="9" presId="urn:microsoft.com/office/officeart/2008/layout/LinedList"/>
+    <dgm:cxn modelId="{05AD0E0C-DB0E-4B18-B3F8-21ABD81A2C3D}" srcId="{259E2220-03A6-4301-B83C-6ED303AEAC4B}" destId="{FBCA7F3C-878D-4406-A8E6-96D22530D603}" srcOrd="0" destOrd="0" parTransId="{AE112D33-5F98-4F7D-9093-9C05335F7213}" sibTransId="{3FA4F201-BAC1-45EF-861A-654805052972}"/>
+    <dgm:cxn modelId="{5E27B413-AE88-4222-8B61-07C8FCF11CCA}" srcId="{259E2220-03A6-4301-B83C-6ED303AEAC4B}" destId="{7E716C56-CB2C-420C-B6ED-A63A58D72FDD}" srcOrd="1" destOrd="0" parTransId="{FC76DA7C-535C-4045-9808-913A03B0AB12}" sibTransId="{C54131B5-0E4A-41A7-A317-34A665707F3F}"/>
+    <dgm:cxn modelId="{0D3C2243-6F90-48A7-9BD7-25CB51D040C0}" srcId="{259E2220-03A6-4301-B83C-6ED303AEAC4B}" destId="{E8E0430A-4205-46D6-A3C1-283DBAAC1EA1}" srcOrd="2" destOrd="0" parTransId="{F11EE081-47EB-41C3-9961-57D87A367A37}" sibTransId="{ABD9E076-75A4-41B1-9D40-64A2151C334F}"/>
+    <dgm:cxn modelId="{D652D597-2329-4B92-A043-BDFA44F38A62}" srcId="{259E2220-03A6-4301-B83C-6ED303AEAC4B}" destId="{7F0350C3-8A9A-47DF-B89E-15208710CE53}" srcOrd="3" destOrd="0" parTransId="{EA100E37-F3DC-44EE-B739-CA6FB60264FA}" sibTransId="{C7B71C67-6B8B-451C-A9A4-A475235B3CD4}"/>
+    <dgm:cxn modelId="{249514ED-B979-4E38-A3AF-2A41C354E93F}" srcId="{259E2220-03A6-4301-B83C-6ED303AEAC4B}" destId="{7B3165FF-1535-4762-B886-5EC661445B35}" srcOrd="4" destOrd="0" parTransId="{C71EF6B2-3762-478F-AC79-53519F9640FF}" sibTransId="{B1D59DAC-7445-436B-96DE-AF58DB150669}"/>
+    <dgm:cxn modelId="{D76D63D6-81D2-4988-BCB8-7FA5A00B95B8}" type="presOf" srcId="{259E2220-03A6-4301-B83C-6ED303AEAC4B}" destId="{35DC4082-E8D4-46C0-90C7-3CE572DE752D}" srcOrd="0" destOrd="0" presId="urn:microsoft.com/office/officeart/2008/layout/LinedList"/>
+    <dgm:cxn modelId="{48C3D2F7-1867-4F1C-845A-4A632CE06563}" type="presParOf" srcId="{35DC4082-E8D4-46C0-90C7-3CE572DE752D}" destId="{375B84B4-17F2-4DAE-93DE-E0C63D2F29EF}" srcOrd="0" destOrd="0" presId="urn:microsoft.com/office/officeart/2008/layout/LinedList"/>
+    <dgm:cxn modelId="{4A89B330-17F8-42D0-909C-E4F023DF6DDF}" type="presParOf" srcId="{35DC4082-E8D4-46C0-90C7-3CE572DE752D}" destId="{00A902BB-0ACB-4F3E-8FA8-31A577E9EC0A}" srcOrd="1" destOrd="0" presId="urn:microsoft.com/office/officeart/2008/layout/LinedList"/>
+    <dgm:cxn modelId="{0457F7E7-A338-4A43-9002-094196E72ECD}" type="presParOf" srcId="{00A902BB-0ACB-4F3E-8FA8-31A577E9EC0A}" destId="{1889DCB5-F699-473A-B5AE-F18002EF2FB9}" srcOrd="0" destOrd="1" presId="urn:microsoft.com/office/officeart/2008/layout/LinedList"/>
+    <dgm:cxn modelId="{867AE435-8332-4BBC-BD73-A1604E8C17A9}" type="presOf" srcId="{FBCA7F3C-878D-4406-A8E6-96D22530D603}" destId="{1889DCB5-F699-473A-B5AE-F18002EF2FB9}" srcOrd="0" destOrd="0" presId="urn:microsoft.com/office/officeart/2008/layout/LinedList"/>
+    <dgm:cxn modelId="{2C4D523D-ADAD-48C4-8165-CD9884394B58}" type="presParOf" srcId="{00A902BB-0ACB-4F3E-8FA8-31A577E9EC0A}" destId="{7BDDB84B-2519-49B0-8766-4D3A92CF349E}" srcOrd="1" destOrd="1" presId="urn:microsoft.com/office/officeart/2008/layout/LinedList"/>
+    <dgm:cxn modelId="{01DC3D64-19C3-47E2-9B57-A51A90D6E7FA}" type="presParOf" srcId="{35DC4082-E8D4-46C0-90C7-3CE572DE752D}" destId="{C36106C5-FF71-4AC4-AA50-1EADF1B824D0}" srcOrd="2" destOrd="0" presId="urn:microsoft.com/office/officeart/2008/layout/LinedList"/>
+    <dgm:cxn modelId="{6E81E49F-FB56-4864-935B-E4B179D2EF66}" type="presParOf" srcId="{35DC4082-E8D4-46C0-90C7-3CE572DE752D}" destId="{F0DA2CD2-2962-4C56-932F-964BDC35DF04}" srcOrd="3" destOrd="0" presId="urn:microsoft.com/office/officeart/2008/layout/LinedList"/>
+    <dgm:cxn modelId="{5E284E03-2021-44B8-8547-A996BCC9BAB4}" type="presParOf" srcId="{F0DA2CD2-2962-4C56-932F-964BDC35DF04}" destId="{170EDD2C-1DAC-402A-84F3-9C3D6A8A5B31}" srcOrd="0" destOrd="3" presId="urn:microsoft.com/office/officeart/2008/layout/LinedList"/>
+    <dgm:cxn modelId="{E6CDB7DE-4B36-4A16-B150-2D35D31A0EEF}" type="presOf" srcId="{7E716C56-CB2C-420C-B6ED-A63A58D72FDD}" destId="{170EDD2C-1DAC-402A-84F3-9C3D6A8A5B31}" srcOrd="0" destOrd="0" presId="urn:microsoft.com/office/officeart/2008/layout/LinedList"/>
+    <dgm:cxn modelId="{43D08AA4-399A-4C4D-98C9-43FF87874400}" type="presParOf" srcId="{F0DA2CD2-2962-4C56-932F-964BDC35DF04}" destId="{D9C73F23-0A18-435C-9355-8F2107CEDEAF}" srcOrd="1" destOrd="3" presId="urn:microsoft.com/office/officeart/2008/layout/LinedList"/>
+    <dgm:cxn modelId="{0E88D16A-1E2E-439C-A940-B8A3F9F4E03D}" type="presParOf" srcId="{35DC4082-E8D4-46C0-90C7-3CE572DE752D}" destId="{8497A164-C556-496A-A01B-3613BCE0CF84}" srcOrd="4" destOrd="0" presId="urn:microsoft.com/office/officeart/2008/layout/LinedList"/>
+    <dgm:cxn modelId="{66D75CA8-C90D-41CF-9AB0-9FD6E3E74530}" type="presParOf" srcId="{35DC4082-E8D4-46C0-90C7-3CE572DE752D}" destId="{E9A3FDB9-EB5F-4CD0-8E73-277C8F4EAE89}" srcOrd="5" destOrd="0" presId="urn:microsoft.com/office/officeart/2008/layout/LinedList"/>
+    <dgm:cxn modelId="{56190265-19A4-4C98-A350-26D92F88A43A}" type="presParOf" srcId="{E9A3FDB9-EB5F-4CD0-8E73-277C8F4EAE89}" destId="{762A1FA9-396E-421C-A574-653EC6F2491A}" srcOrd="0" destOrd="5" presId="urn:microsoft.com/office/officeart/2008/layout/LinedList"/>
+    <dgm:cxn modelId="{B9CCEC20-A497-4D39-9940-800D35CC3847}" type="presOf" srcId="{E8E0430A-4205-46D6-A3C1-283DBAAC1EA1}" destId="{762A1FA9-396E-421C-A574-653EC6F2491A}" srcOrd="0" destOrd="0" presId="urn:microsoft.com/office/officeart/2008/layout/LinedList"/>
+    <dgm:cxn modelId="{A4F77B04-CF98-4C6A-8803-F61CF93B5D98}" type="presParOf" srcId="{E9A3FDB9-EB5F-4CD0-8E73-277C8F4EAE89}" destId="{A5175A97-F25B-48C6-8EE7-03F911AE967A}" srcOrd="1" destOrd="5" presId="urn:microsoft.com/office/officeart/2008/layout/LinedList"/>
+    <dgm:cxn modelId="{26132CB7-CE9D-4C51-9FF0-0EE7E92858DC}" type="presParOf" srcId="{35DC4082-E8D4-46C0-90C7-3CE572DE752D}" destId="{538901A7-8F1A-4E26-A645-5DEA3A01F757}" srcOrd="6" destOrd="0" presId="urn:microsoft.com/office/officeart/2008/layout/LinedList"/>
+    <dgm:cxn modelId="{B3CF34C5-305B-45A6-97FF-ACB70FA28C40}" type="presParOf" srcId="{35DC4082-E8D4-46C0-90C7-3CE572DE752D}" destId="{A8777D18-0A8E-43E6-B9C3-6CA20C29C949}" srcOrd="7" destOrd="0" presId="urn:microsoft.com/office/officeart/2008/layout/LinedList"/>
+    <dgm:cxn modelId="{95A1781F-6E4F-405B-B216-9247B55036A9}" type="presParOf" srcId="{A8777D18-0A8E-43E6-B9C3-6CA20C29C949}" destId="{289BDD90-B040-479F-9E46-58304BB1A2E1}" srcOrd="0" destOrd="7" presId="urn:microsoft.com/office/officeart/2008/layout/LinedList"/>
+    <dgm:cxn modelId="{2DB951E7-3AC3-4D5A-831D-7C2DC9DFCB61}" type="presOf" srcId="{7F0350C3-8A9A-47DF-B89E-15208710CE53}" destId="{289BDD90-B040-479F-9E46-58304BB1A2E1}" srcOrd="0" destOrd="0" presId="urn:microsoft.com/office/officeart/2008/layout/LinedList"/>
+    <dgm:cxn modelId="{51712C9F-251D-4534-BBB0-F9F2BDD6CB74}" type="presParOf" srcId="{A8777D18-0A8E-43E6-B9C3-6CA20C29C949}" destId="{060EFBB6-756D-4248-A1B8-DC8C32DA5C62}" srcOrd="1" destOrd="7" presId="urn:microsoft.com/office/officeart/2008/layout/LinedList"/>
+    <dgm:cxn modelId="{C779D371-9264-42EF-91A9-18831DF6ECFD}" type="presParOf" srcId="{35DC4082-E8D4-46C0-90C7-3CE572DE752D}" destId="{E545455C-FC7A-4F79-B6DD-FAE96704422E}" srcOrd="8" destOrd="0" presId="urn:microsoft.com/office/officeart/2008/layout/LinedList"/>
+    <dgm:cxn modelId="{515EF250-3D49-4E8D-A348-111F47B663E4}" type="presParOf" srcId="{35DC4082-E8D4-46C0-90C7-3CE572DE752D}" destId="{3D59CBE4-AED3-4941-B663-F01B931BD14A}" srcOrd="9" destOrd="0" presId="urn:microsoft.com/office/officeart/2008/layout/LinedList"/>
+    <dgm:cxn modelId="{3C432E6A-3398-4CDE-8A86-25C258E5B19C}" type="presParOf" srcId="{3D59CBE4-AED3-4941-B663-F01B931BD14A}" destId="{0462F9E1-7B37-42DF-9C2E-2ABE1D63C315}" srcOrd="0" destOrd="9" presId="urn:microsoft.com/office/officeart/2008/layout/LinedList"/>
+    <dgm:cxn modelId="{1E234864-CA8B-447A-AE8A-282F4A71E085}" type="presOf" srcId="{7B3165FF-1535-4762-B886-5EC661445B35}" destId="{0462F9E1-7B37-42DF-9C2E-2ABE1D63C315}" srcOrd="0" destOrd="0" presId="urn:microsoft.com/office/officeart/2008/layout/LinedList"/>
+    <dgm:cxn modelId="{8303EACB-B4A5-4155-922A-8E7DBD0C2E3F}" type="presParOf" srcId="{3D59CBE4-AED3-4941-B663-F01B931BD14A}" destId="{1AA2FE5D-747E-420E-A7AB-4B71383AF8C5}" srcOrd="1" destOrd="9" presId="urn:microsoft.com/office/officeart/2008/layout/LinedList"/>
   </dgm:cxnLst>
   <dgm:bg/>
   <dgm:whole/>
@@ -5097,7 +5098,7 @@
         </a:p>
       </dgm:t>
     </dgm:pt>
-    <dgm:pt modelId="{AE112D33-5F98-4F7D-9093-9C05335F7213}" cxnId="{4325B24D-B3E9-4A30-A313-E185461DC439}" type="parTrans">
+    <dgm:pt modelId="{AE112D33-5F98-4F7D-9093-9C05335F7213}" cxnId="{2BAE7BB8-0530-400D-A859-274782BC05CD}" type="parTrans">
       <dgm:prSet/>
       <dgm:spPr/>
       <dgm:t>
@@ -5108,7 +5109,7 @@
         </a:p>
       </dgm:t>
     </dgm:pt>
-    <dgm:pt modelId="{3FA4F201-BAC1-45EF-861A-654805052972}" cxnId="{4325B24D-B3E9-4A30-A313-E185461DC439}" type="sibTrans">
+    <dgm:pt modelId="{3FA4F201-BAC1-45EF-861A-654805052972}" cxnId="{2BAE7BB8-0530-400D-A859-274782BC05CD}" type="sibTrans">
       <dgm:prSet/>
       <dgm:spPr/>
       <dgm:t>
@@ -5148,7 +5149,7 @@
               <a:latin typeface="Times New Roman" panose="02020603050405020304" charset="0"/>
               <a:cs typeface="Times New Roman" panose="02020603050405020304" charset="0"/>
             </a:rPr>
-            <a:t>Generate 128 bit AES key from ECC equation using hash of Device Id</a:t>
+            <a:t>Generate 128 bit AES key from ECC equation using Device Id</a:t>
           </a:r>
           <a:r>
             <a:rPr lang="en-IN" altLang="en-US" sz="1600" dirty="0">
@@ -5199,7 +5200,7 @@
         </a:p>
       </dgm:t>
     </dgm:pt>
-    <dgm:pt modelId="{FC76DA7C-535C-4045-9808-913A03B0AB12}" cxnId="{C0B97368-9ED0-4798-B17A-D4F1B4CFA048}" type="parTrans">
+    <dgm:pt modelId="{FC76DA7C-535C-4045-9808-913A03B0AB12}" cxnId="{C996FE2C-302A-45DD-8A9C-8DC3A93A17DF}" type="parTrans">
       <dgm:prSet/>
       <dgm:spPr/>
       <dgm:t>
@@ -5210,7 +5211,7 @@
         </a:p>
       </dgm:t>
     </dgm:pt>
-    <dgm:pt modelId="{C54131B5-0E4A-41A7-A317-34A665707F3F}" cxnId="{C0B97368-9ED0-4798-B17A-D4F1B4CFA048}" type="sibTrans">
+    <dgm:pt modelId="{C54131B5-0E4A-41A7-A317-34A665707F3F}" cxnId="{C996FE2C-302A-45DD-8A9C-8DC3A93A17DF}" type="sibTrans">
       <dgm:prSet/>
       <dgm:spPr/>
       <dgm:t>
@@ -5259,23 +5260,7 @@
               <a:cs typeface="Times New Roman" panose="02020603050405020304" charset="0"/>
               <a:sym typeface="+mn-ea"/>
             </a:rPr>
-            <a:t>hybrid of </a:t>
-          </a:r>
-          <a:r>
-            <a:rPr lang="en-IN" altLang="en-US" sz="1600" dirty="0">
-              <a:latin typeface="Times New Roman" panose="02020603050405020304" charset="0"/>
-              <a:cs typeface="Times New Roman" panose="02020603050405020304" charset="0"/>
-              <a:sym typeface="+mn-ea"/>
-            </a:rPr>
-            <a:t>AES key and RSA</a:t>
-          </a:r>
-          <a:r>
-            <a:rPr lang="en-IN" altLang="en-US" sz="1600" dirty="0">
-              <a:latin typeface="Times New Roman" panose="02020603050405020304" charset="0"/>
-              <a:cs typeface="Times New Roman" panose="02020603050405020304" charset="0"/>
-              <a:sym typeface="+mn-ea"/>
-            </a:rPr>
-            <a:t/>
+            <a:t>of dynamic AES key</a:t>
           </a:r>
           <a:endParaRPr lang="en-IN" altLang="en-US" sz="1600" dirty="0">
             <a:latin typeface="Times New Roman" panose="02020603050405020304" charset="0"/>
@@ -5285,7 +5270,7 @@
         </a:p>
       </dgm:t>
     </dgm:pt>
-    <dgm:pt modelId="{F11EE081-47EB-41C3-9961-57D87A367A37}" cxnId="{0F826066-84C3-45F7-AE48-8E29B9BCC582}" type="parTrans">
+    <dgm:pt modelId="{F11EE081-47EB-41C3-9961-57D87A367A37}" cxnId="{9DFD71BE-AA7C-4992-AF06-50A23622928E}" type="parTrans">
       <dgm:prSet/>
       <dgm:spPr/>
       <dgm:t>
@@ -5296,7 +5281,7 @@
         </a:p>
       </dgm:t>
     </dgm:pt>
-    <dgm:pt modelId="{ABD9E076-75A4-41B1-9D40-64A2151C334F}" cxnId="{0F826066-84C3-45F7-AE48-8E29B9BCC582}" type="sibTrans">
+    <dgm:pt modelId="{ABD9E076-75A4-41B1-9D40-64A2151C334F}" cxnId="{9DFD71BE-AA7C-4992-AF06-50A23622928E}" type="sibTrans">
       <dgm:prSet/>
       <dgm:spPr/>
       <dgm:t>
@@ -5387,7 +5372,7 @@
         </a:p>
       </dgm:t>
     </dgm:pt>
-    <dgm:pt modelId="{EA100E37-F3DC-44EE-B739-CA6FB60264FA}" cxnId="{EE956E37-B8C6-410D-BD98-18135268A5EE}" type="parTrans">
+    <dgm:pt modelId="{EA100E37-F3DC-44EE-B739-CA6FB60264FA}" cxnId="{1BF006D7-B487-4587-8F74-E205D7A286B6}" type="parTrans">
       <dgm:prSet/>
       <dgm:spPr/>
       <dgm:t>
@@ -5398,7 +5383,7 @@
         </a:p>
       </dgm:t>
     </dgm:pt>
-    <dgm:pt modelId="{C7B71C67-6B8B-451C-A9A4-A475235B3CD4}" cxnId="{EE956E37-B8C6-410D-BD98-18135268A5EE}" type="sibTrans">
+    <dgm:pt modelId="{C7B71C67-6B8B-451C-A9A4-A475235B3CD4}" cxnId="{1BF006D7-B487-4587-8F74-E205D7A286B6}" type="sibTrans">
       <dgm:prSet/>
       <dgm:spPr/>
       <dgm:t>
@@ -5437,29 +5422,31 @@
             <a:rPr lang="en-IN" altLang="en-US" sz="1600" dirty="0">
               <a:latin typeface="Times New Roman" panose="02020603050405020304" charset="0"/>
               <a:cs typeface="Times New Roman" panose="02020603050405020304" charset="0"/>
+              <a:sym typeface="+mn-ea"/>
             </a:rPr>
-            <a:t>Keys for </a:t>
+            <a:t>Encrypt each </a:t>
           </a:r>
           <a:r>
             <a:rPr lang="en-IN" altLang="en-US" sz="1600" dirty="0">
               <a:latin typeface="Times New Roman" panose="02020603050405020304" charset="0"/>
               <a:cs typeface="Times New Roman" panose="02020603050405020304" charset="0"/>
+              <a:sym typeface="+mn-ea"/>
             </a:rPr>
-            <a:t>Cipher to be constructed </a:t>
+            <a:t>AES key using RSA Public key</a:t>
           </a:r>
+          <a:br>
+            <a:rPr lang="en-US" sz="1600" dirty="0">
+              <a:latin typeface="Times New Roman" panose="02020603050405020304" charset="0"/>
+              <a:cs typeface="Times New Roman" panose="02020603050405020304" charset="0"/>
+              <a:sym typeface="+mn-ea"/>
+            </a:rPr>
+          </a:br>
           <a:r>
             <a:rPr lang="en-IN" altLang="en-US" sz="1600" dirty="0">
               <a:latin typeface="Times New Roman" panose="02020603050405020304" charset="0"/>
               <a:cs typeface="Times New Roman" panose="02020603050405020304" charset="0"/>
             </a:rPr>
-            <a:t>with </a:t>
-          </a:r>
-          <a:r>
-            <a:rPr lang="en-IN" altLang="en-US" sz="1600" dirty="0">
-              <a:latin typeface="Times New Roman" panose="02020603050405020304" charset="0"/>
-              <a:cs typeface="Times New Roman" panose="02020603050405020304" charset="0"/>
-            </a:rPr>
-            <a:t>evolving time</a:t>
+            <a:t/>
           </a:r>
           <a:endParaRPr lang="en-IN" altLang="en-US" sz="1600" dirty="0">
             <a:latin typeface="Times New Roman" panose="02020603050405020304" charset="0"/>
@@ -5468,7 +5455,7 @@
         </a:p>
       </dgm:t>
     </dgm:pt>
-    <dgm:pt modelId="{C71EF6B2-3762-478F-AC79-53519F9640FF}" cxnId="{D735E42D-D389-4F2C-AE9A-1776DFFA0374}" type="parTrans">
+    <dgm:pt modelId="{C71EF6B2-3762-478F-AC79-53519F9640FF}" cxnId="{297B46BE-696F-44E2-8F9D-BC735D11EAB4}" type="parTrans">
       <dgm:prSet/>
       <dgm:spPr/>
       <dgm:t>
@@ -5479,7 +5466,7 @@
         </a:p>
       </dgm:t>
     </dgm:pt>
-    <dgm:pt modelId="{B1D59DAC-7445-436B-96DE-AF58DB150669}" cxnId="{D735E42D-D389-4F2C-AE9A-1776DFFA0374}" type="sibTrans">
+    <dgm:pt modelId="{B1D59DAC-7445-436B-96DE-AF58DB150669}" cxnId="{297B46BE-696F-44E2-8F9D-BC735D11EAB4}" type="sibTrans">
       <dgm:prSet/>
       <dgm:spPr/>
       <dgm:t>
@@ -5617,37 +5604,37 @@
     </dgm:pt>
   </dgm:ptLst>
   <dgm:cxnLst>
-    <dgm:cxn modelId="{4325B24D-B3E9-4A30-A313-E185461DC439}" srcId="{259E2220-03A6-4301-B83C-6ED303AEAC4B}" destId="{FBCA7F3C-878D-4406-A8E6-96D22530D603}" srcOrd="0" destOrd="0" parTransId="{AE112D33-5F98-4F7D-9093-9C05335F7213}" sibTransId="{3FA4F201-BAC1-45EF-861A-654805052972}"/>
-    <dgm:cxn modelId="{C0B97368-9ED0-4798-B17A-D4F1B4CFA048}" srcId="{259E2220-03A6-4301-B83C-6ED303AEAC4B}" destId="{7E716C56-CB2C-420C-B6ED-A63A58D72FDD}" srcOrd="1" destOrd="0" parTransId="{FC76DA7C-535C-4045-9808-913A03B0AB12}" sibTransId="{C54131B5-0E4A-41A7-A317-34A665707F3F}"/>
-    <dgm:cxn modelId="{0F826066-84C3-45F7-AE48-8E29B9BCC582}" srcId="{259E2220-03A6-4301-B83C-6ED303AEAC4B}" destId="{E8E0430A-4205-46D6-A3C1-283DBAAC1EA1}" srcOrd="2" destOrd="0" parTransId="{F11EE081-47EB-41C3-9961-57D87A367A37}" sibTransId="{ABD9E076-75A4-41B1-9D40-64A2151C334F}"/>
-    <dgm:cxn modelId="{EE956E37-B8C6-410D-BD98-18135268A5EE}" srcId="{259E2220-03A6-4301-B83C-6ED303AEAC4B}" destId="{7F0350C3-8A9A-47DF-B89E-15208710CE53}" srcOrd="3" destOrd="0" parTransId="{EA100E37-F3DC-44EE-B739-CA6FB60264FA}" sibTransId="{C7B71C67-6B8B-451C-A9A4-A475235B3CD4}"/>
-    <dgm:cxn modelId="{D735E42D-D389-4F2C-AE9A-1776DFFA0374}" srcId="{259E2220-03A6-4301-B83C-6ED303AEAC4B}" destId="{7B3165FF-1535-4762-B886-5EC661445B35}" srcOrd="4" destOrd="0" parTransId="{C71EF6B2-3762-478F-AC79-53519F9640FF}" sibTransId="{B1D59DAC-7445-436B-96DE-AF58DB150669}"/>
-    <dgm:cxn modelId="{0B635FA4-405A-4596-A584-4EF5DCAB1FF6}" type="presOf" srcId="{259E2220-03A6-4301-B83C-6ED303AEAC4B}" destId="{35DC4082-E8D4-46C0-90C7-3CE572DE752D}" srcOrd="0" destOrd="0" presId="urn:microsoft.com/office/officeart/2008/layout/LinedList"/>
-    <dgm:cxn modelId="{88B56FA3-162B-4D36-B0D2-2642D369E01F}" type="presParOf" srcId="{35DC4082-E8D4-46C0-90C7-3CE572DE752D}" destId="{375B84B4-17F2-4DAE-93DE-E0C63D2F29EF}" srcOrd="0" destOrd="0" presId="urn:microsoft.com/office/officeart/2008/layout/LinedList"/>
-    <dgm:cxn modelId="{5FC978AE-4D20-43AC-9A09-862110AF680F}" type="presParOf" srcId="{35DC4082-E8D4-46C0-90C7-3CE572DE752D}" destId="{00A902BB-0ACB-4F3E-8FA8-31A577E9EC0A}" srcOrd="1" destOrd="0" presId="urn:microsoft.com/office/officeart/2008/layout/LinedList"/>
-    <dgm:cxn modelId="{76637F81-59F2-43E4-B884-0531D2D33928}" type="presParOf" srcId="{00A902BB-0ACB-4F3E-8FA8-31A577E9EC0A}" destId="{1889DCB5-F699-473A-B5AE-F18002EF2FB9}" srcOrd="0" destOrd="1" presId="urn:microsoft.com/office/officeart/2008/layout/LinedList"/>
-    <dgm:cxn modelId="{408DBD6F-C99B-4F2E-A685-C20A68CE5151}" type="presOf" srcId="{FBCA7F3C-878D-4406-A8E6-96D22530D603}" destId="{1889DCB5-F699-473A-B5AE-F18002EF2FB9}" srcOrd="0" destOrd="0" presId="urn:microsoft.com/office/officeart/2008/layout/LinedList"/>
-    <dgm:cxn modelId="{782BC4EC-CFEC-40C5-862C-CE535A223681}" type="presParOf" srcId="{00A902BB-0ACB-4F3E-8FA8-31A577E9EC0A}" destId="{7BDDB84B-2519-49B0-8766-4D3A92CF349E}" srcOrd="1" destOrd="1" presId="urn:microsoft.com/office/officeart/2008/layout/LinedList"/>
-    <dgm:cxn modelId="{FE2ADB2C-623C-4294-943A-BC0D0B9069F3}" type="presParOf" srcId="{35DC4082-E8D4-46C0-90C7-3CE572DE752D}" destId="{C36106C5-FF71-4AC4-AA50-1EADF1B824D0}" srcOrd="2" destOrd="0" presId="urn:microsoft.com/office/officeart/2008/layout/LinedList"/>
-    <dgm:cxn modelId="{738CDFC9-3A9E-4F58-90FE-C13F97FC8949}" type="presParOf" srcId="{35DC4082-E8D4-46C0-90C7-3CE572DE752D}" destId="{F0DA2CD2-2962-4C56-932F-964BDC35DF04}" srcOrd="3" destOrd="0" presId="urn:microsoft.com/office/officeart/2008/layout/LinedList"/>
-    <dgm:cxn modelId="{59D33D67-75B4-430D-A5A9-6BDB33E38BBB}" type="presParOf" srcId="{F0DA2CD2-2962-4C56-932F-964BDC35DF04}" destId="{170EDD2C-1DAC-402A-84F3-9C3D6A8A5B31}" srcOrd="0" destOrd="3" presId="urn:microsoft.com/office/officeart/2008/layout/LinedList"/>
-    <dgm:cxn modelId="{5BBFCC3C-431E-45E0-9E1A-CF7FD0A32619}" type="presOf" srcId="{7E716C56-CB2C-420C-B6ED-A63A58D72FDD}" destId="{170EDD2C-1DAC-402A-84F3-9C3D6A8A5B31}" srcOrd="0" destOrd="0" presId="urn:microsoft.com/office/officeart/2008/layout/LinedList"/>
-    <dgm:cxn modelId="{8F49499F-9D6F-4D71-B317-F2003CA0933B}" type="presParOf" srcId="{F0DA2CD2-2962-4C56-932F-964BDC35DF04}" destId="{D9C73F23-0A18-435C-9355-8F2107CEDEAF}" srcOrd="1" destOrd="3" presId="urn:microsoft.com/office/officeart/2008/layout/LinedList"/>
-    <dgm:cxn modelId="{72946986-B3DA-4C50-BABA-2C8C155C73A9}" type="presParOf" srcId="{35DC4082-E8D4-46C0-90C7-3CE572DE752D}" destId="{8497A164-C556-496A-A01B-3613BCE0CF84}" srcOrd="4" destOrd="0" presId="urn:microsoft.com/office/officeart/2008/layout/LinedList"/>
-    <dgm:cxn modelId="{2BB0D485-74F7-41CD-86A9-FF53BEAE1C33}" type="presParOf" srcId="{35DC4082-E8D4-46C0-90C7-3CE572DE752D}" destId="{E9A3FDB9-EB5F-4CD0-8E73-277C8F4EAE89}" srcOrd="5" destOrd="0" presId="urn:microsoft.com/office/officeart/2008/layout/LinedList"/>
-    <dgm:cxn modelId="{8B4B015A-45E8-43EA-9453-ECD5FC90ED9C}" type="presParOf" srcId="{E9A3FDB9-EB5F-4CD0-8E73-277C8F4EAE89}" destId="{762A1FA9-396E-421C-A574-653EC6F2491A}" srcOrd="0" destOrd="5" presId="urn:microsoft.com/office/officeart/2008/layout/LinedList"/>
-    <dgm:cxn modelId="{BBAB445B-CFC0-4ACC-AB60-6F51B20E8050}" type="presOf" srcId="{E8E0430A-4205-46D6-A3C1-283DBAAC1EA1}" destId="{762A1FA9-396E-421C-A574-653EC6F2491A}" srcOrd="0" destOrd="0" presId="urn:microsoft.com/office/officeart/2008/layout/LinedList"/>
-    <dgm:cxn modelId="{D421C8A7-F48E-4524-9112-A11C940E1A35}" type="presParOf" srcId="{E9A3FDB9-EB5F-4CD0-8E73-277C8F4EAE89}" destId="{A5175A97-F25B-48C6-8EE7-03F911AE967A}" srcOrd="1" destOrd="5" presId="urn:microsoft.com/office/officeart/2008/layout/LinedList"/>
-    <dgm:cxn modelId="{410FAFEE-5ABA-4954-BC1F-F458C992183D}" type="presParOf" srcId="{35DC4082-E8D4-46C0-90C7-3CE572DE752D}" destId="{538901A7-8F1A-4E26-A645-5DEA3A01F757}" srcOrd="6" destOrd="0" presId="urn:microsoft.com/office/officeart/2008/layout/LinedList"/>
-    <dgm:cxn modelId="{893D1022-617E-492E-B6AB-94648D69A91B}" type="presParOf" srcId="{35DC4082-E8D4-46C0-90C7-3CE572DE752D}" destId="{A8777D18-0A8E-43E6-B9C3-6CA20C29C949}" srcOrd="7" destOrd="0" presId="urn:microsoft.com/office/officeart/2008/layout/LinedList"/>
-    <dgm:cxn modelId="{689A3FD6-52E2-4092-96BF-315837F281E7}" type="presParOf" srcId="{A8777D18-0A8E-43E6-B9C3-6CA20C29C949}" destId="{289BDD90-B040-479F-9E46-58304BB1A2E1}" srcOrd="0" destOrd="7" presId="urn:microsoft.com/office/officeart/2008/layout/LinedList"/>
-    <dgm:cxn modelId="{3CE2E56B-ADB9-4CCA-AAFE-2BE957C5722A}" type="presOf" srcId="{7F0350C3-8A9A-47DF-B89E-15208710CE53}" destId="{289BDD90-B040-479F-9E46-58304BB1A2E1}" srcOrd="0" destOrd="0" presId="urn:microsoft.com/office/officeart/2008/layout/LinedList"/>
-    <dgm:cxn modelId="{53D4246F-071C-4778-959D-482F4D437E5A}" type="presParOf" srcId="{A8777D18-0A8E-43E6-B9C3-6CA20C29C949}" destId="{060EFBB6-756D-4248-A1B8-DC8C32DA5C62}" srcOrd="1" destOrd="7" presId="urn:microsoft.com/office/officeart/2008/layout/LinedList"/>
-    <dgm:cxn modelId="{E85E933F-BB9D-4211-B7C7-4CA309467B81}" type="presParOf" srcId="{35DC4082-E8D4-46C0-90C7-3CE572DE752D}" destId="{E545455C-FC7A-4F79-B6DD-FAE96704422E}" srcOrd="8" destOrd="0" presId="urn:microsoft.com/office/officeart/2008/layout/LinedList"/>
-    <dgm:cxn modelId="{500F1B99-8605-4DC9-9253-EAE8C2FACC3F}" type="presParOf" srcId="{35DC4082-E8D4-46C0-90C7-3CE572DE752D}" destId="{3D59CBE4-AED3-4941-B663-F01B931BD14A}" srcOrd="9" destOrd="0" presId="urn:microsoft.com/office/officeart/2008/layout/LinedList"/>
-    <dgm:cxn modelId="{D2D5A2C0-4A38-4337-9097-1CB91E80AF53}" type="presParOf" srcId="{3D59CBE4-AED3-4941-B663-F01B931BD14A}" destId="{0462F9E1-7B37-42DF-9C2E-2ABE1D63C315}" srcOrd="0" destOrd="9" presId="urn:microsoft.com/office/officeart/2008/layout/LinedList"/>
-    <dgm:cxn modelId="{A00A998D-DCC5-4A50-B619-E39B010075AD}" type="presOf" srcId="{7B3165FF-1535-4762-B886-5EC661445B35}" destId="{0462F9E1-7B37-42DF-9C2E-2ABE1D63C315}" srcOrd="0" destOrd="0" presId="urn:microsoft.com/office/officeart/2008/layout/LinedList"/>
-    <dgm:cxn modelId="{CF7FF8F3-4236-4E3D-9620-B1D008D5BAB5}" type="presParOf" srcId="{3D59CBE4-AED3-4941-B663-F01B931BD14A}" destId="{1AA2FE5D-747E-420E-A7AB-4B71383AF8C5}" srcOrd="1" destOrd="9" presId="urn:microsoft.com/office/officeart/2008/layout/LinedList"/>
+    <dgm:cxn modelId="{2BAE7BB8-0530-400D-A859-274782BC05CD}" srcId="{259E2220-03A6-4301-B83C-6ED303AEAC4B}" destId="{FBCA7F3C-878D-4406-A8E6-96D22530D603}" srcOrd="0" destOrd="0" parTransId="{AE112D33-5F98-4F7D-9093-9C05335F7213}" sibTransId="{3FA4F201-BAC1-45EF-861A-654805052972}"/>
+    <dgm:cxn modelId="{C996FE2C-302A-45DD-8A9C-8DC3A93A17DF}" srcId="{259E2220-03A6-4301-B83C-6ED303AEAC4B}" destId="{7E716C56-CB2C-420C-B6ED-A63A58D72FDD}" srcOrd="1" destOrd="0" parTransId="{FC76DA7C-535C-4045-9808-913A03B0AB12}" sibTransId="{C54131B5-0E4A-41A7-A317-34A665707F3F}"/>
+    <dgm:cxn modelId="{9DFD71BE-AA7C-4992-AF06-50A23622928E}" srcId="{259E2220-03A6-4301-B83C-6ED303AEAC4B}" destId="{E8E0430A-4205-46D6-A3C1-283DBAAC1EA1}" srcOrd="2" destOrd="0" parTransId="{F11EE081-47EB-41C3-9961-57D87A367A37}" sibTransId="{ABD9E076-75A4-41B1-9D40-64A2151C334F}"/>
+    <dgm:cxn modelId="{1BF006D7-B487-4587-8F74-E205D7A286B6}" srcId="{259E2220-03A6-4301-B83C-6ED303AEAC4B}" destId="{7F0350C3-8A9A-47DF-B89E-15208710CE53}" srcOrd="3" destOrd="0" parTransId="{EA100E37-F3DC-44EE-B739-CA6FB60264FA}" sibTransId="{C7B71C67-6B8B-451C-A9A4-A475235B3CD4}"/>
+    <dgm:cxn modelId="{297B46BE-696F-44E2-8F9D-BC735D11EAB4}" srcId="{259E2220-03A6-4301-B83C-6ED303AEAC4B}" destId="{7B3165FF-1535-4762-B886-5EC661445B35}" srcOrd="4" destOrd="0" parTransId="{C71EF6B2-3762-478F-AC79-53519F9640FF}" sibTransId="{B1D59DAC-7445-436B-96DE-AF58DB150669}"/>
+    <dgm:cxn modelId="{C46E6C56-1C1F-4B4A-9751-55FE6B663BD0}" type="presOf" srcId="{259E2220-03A6-4301-B83C-6ED303AEAC4B}" destId="{35DC4082-E8D4-46C0-90C7-3CE572DE752D}" srcOrd="0" destOrd="0" presId="urn:microsoft.com/office/officeart/2008/layout/LinedList"/>
+    <dgm:cxn modelId="{7384A324-EC49-4672-9B39-B37CFF0C464E}" type="presParOf" srcId="{35DC4082-E8D4-46C0-90C7-3CE572DE752D}" destId="{375B84B4-17F2-4DAE-93DE-E0C63D2F29EF}" srcOrd="0" destOrd="0" presId="urn:microsoft.com/office/officeart/2008/layout/LinedList"/>
+    <dgm:cxn modelId="{B7FEA42D-605D-4F2C-ADBA-41EB5A64F10D}" type="presParOf" srcId="{35DC4082-E8D4-46C0-90C7-3CE572DE752D}" destId="{00A902BB-0ACB-4F3E-8FA8-31A577E9EC0A}" srcOrd="1" destOrd="0" presId="urn:microsoft.com/office/officeart/2008/layout/LinedList"/>
+    <dgm:cxn modelId="{F7EB50E5-BA17-41FF-8F71-8D47F48BABE8}" type="presParOf" srcId="{00A902BB-0ACB-4F3E-8FA8-31A577E9EC0A}" destId="{1889DCB5-F699-473A-B5AE-F18002EF2FB9}" srcOrd="0" destOrd="1" presId="urn:microsoft.com/office/officeart/2008/layout/LinedList"/>
+    <dgm:cxn modelId="{A6C7C48C-988D-48B2-845E-828F4CF74403}" type="presOf" srcId="{FBCA7F3C-878D-4406-A8E6-96D22530D603}" destId="{1889DCB5-F699-473A-B5AE-F18002EF2FB9}" srcOrd="0" destOrd="0" presId="urn:microsoft.com/office/officeart/2008/layout/LinedList"/>
+    <dgm:cxn modelId="{C21A075A-EB17-41A5-B47C-1075338451C7}" type="presParOf" srcId="{00A902BB-0ACB-4F3E-8FA8-31A577E9EC0A}" destId="{7BDDB84B-2519-49B0-8766-4D3A92CF349E}" srcOrd="1" destOrd="1" presId="urn:microsoft.com/office/officeart/2008/layout/LinedList"/>
+    <dgm:cxn modelId="{BDBB1FC4-3707-41F7-A533-991C9E6DD2BE}" type="presParOf" srcId="{35DC4082-E8D4-46C0-90C7-3CE572DE752D}" destId="{C36106C5-FF71-4AC4-AA50-1EADF1B824D0}" srcOrd="2" destOrd="0" presId="urn:microsoft.com/office/officeart/2008/layout/LinedList"/>
+    <dgm:cxn modelId="{6C608AA5-FC89-4A8B-AAE8-51269ADDA73C}" type="presParOf" srcId="{35DC4082-E8D4-46C0-90C7-3CE572DE752D}" destId="{F0DA2CD2-2962-4C56-932F-964BDC35DF04}" srcOrd="3" destOrd="0" presId="urn:microsoft.com/office/officeart/2008/layout/LinedList"/>
+    <dgm:cxn modelId="{0E16060A-16D7-4B49-80BA-B57789860BBD}" type="presParOf" srcId="{F0DA2CD2-2962-4C56-932F-964BDC35DF04}" destId="{170EDD2C-1DAC-402A-84F3-9C3D6A8A5B31}" srcOrd="0" destOrd="3" presId="urn:microsoft.com/office/officeart/2008/layout/LinedList"/>
+    <dgm:cxn modelId="{155EDBA1-6D02-448B-BBEA-D1475C51C8BF}" type="presOf" srcId="{7E716C56-CB2C-420C-B6ED-A63A58D72FDD}" destId="{170EDD2C-1DAC-402A-84F3-9C3D6A8A5B31}" srcOrd="0" destOrd="0" presId="urn:microsoft.com/office/officeart/2008/layout/LinedList"/>
+    <dgm:cxn modelId="{5B73ECF0-B321-49C4-8EAD-C9AE2ADD07BD}" type="presParOf" srcId="{F0DA2CD2-2962-4C56-932F-964BDC35DF04}" destId="{D9C73F23-0A18-435C-9355-8F2107CEDEAF}" srcOrd="1" destOrd="3" presId="urn:microsoft.com/office/officeart/2008/layout/LinedList"/>
+    <dgm:cxn modelId="{3D517010-3505-4A4C-AC0B-25EE6880EF29}" type="presParOf" srcId="{35DC4082-E8D4-46C0-90C7-3CE572DE752D}" destId="{8497A164-C556-496A-A01B-3613BCE0CF84}" srcOrd="4" destOrd="0" presId="urn:microsoft.com/office/officeart/2008/layout/LinedList"/>
+    <dgm:cxn modelId="{82F7F281-DD64-4E8A-88C6-58AA43EF995A}" type="presParOf" srcId="{35DC4082-E8D4-46C0-90C7-3CE572DE752D}" destId="{E9A3FDB9-EB5F-4CD0-8E73-277C8F4EAE89}" srcOrd="5" destOrd="0" presId="urn:microsoft.com/office/officeart/2008/layout/LinedList"/>
+    <dgm:cxn modelId="{4917621F-AF35-45E8-9EC9-D929847C5777}" type="presParOf" srcId="{E9A3FDB9-EB5F-4CD0-8E73-277C8F4EAE89}" destId="{762A1FA9-396E-421C-A574-653EC6F2491A}" srcOrd="0" destOrd="5" presId="urn:microsoft.com/office/officeart/2008/layout/LinedList"/>
+    <dgm:cxn modelId="{1C84791F-23EA-4925-A438-9FEF1D1E6685}" type="presOf" srcId="{E8E0430A-4205-46D6-A3C1-283DBAAC1EA1}" destId="{762A1FA9-396E-421C-A574-653EC6F2491A}" srcOrd="0" destOrd="0" presId="urn:microsoft.com/office/officeart/2008/layout/LinedList"/>
+    <dgm:cxn modelId="{87C1ABF0-A14D-446C-BC09-E5A55838D5B7}" type="presParOf" srcId="{E9A3FDB9-EB5F-4CD0-8E73-277C8F4EAE89}" destId="{A5175A97-F25B-48C6-8EE7-03F911AE967A}" srcOrd="1" destOrd="5" presId="urn:microsoft.com/office/officeart/2008/layout/LinedList"/>
+    <dgm:cxn modelId="{860390D7-05C6-4512-B83D-46A3D8106500}" type="presParOf" srcId="{35DC4082-E8D4-46C0-90C7-3CE572DE752D}" destId="{538901A7-8F1A-4E26-A645-5DEA3A01F757}" srcOrd="6" destOrd="0" presId="urn:microsoft.com/office/officeart/2008/layout/LinedList"/>
+    <dgm:cxn modelId="{DBF30FFF-9D2D-43D4-B404-F621D82E53F4}" type="presParOf" srcId="{35DC4082-E8D4-46C0-90C7-3CE572DE752D}" destId="{A8777D18-0A8E-43E6-B9C3-6CA20C29C949}" srcOrd="7" destOrd="0" presId="urn:microsoft.com/office/officeart/2008/layout/LinedList"/>
+    <dgm:cxn modelId="{000DD83A-4464-4C1A-B0EE-2085103E2454}" type="presParOf" srcId="{A8777D18-0A8E-43E6-B9C3-6CA20C29C949}" destId="{289BDD90-B040-479F-9E46-58304BB1A2E1}" srcOrd="0" destOrd="7" presId="urn:microsoft.com/office/officeart/2008/layout/LinedList"/>
+    <dgm:cxn modelId="{0D1D5B41-A12E-410E-8C1F-E21F31AFAF9E}" type="presOf" srcId="{7F0350C3-8A9A-47DF-B89E-15208710CE53}" destId="{289BDD90-B040-479F-9E46-58304BB1A2E1}" srcOrd="0" destOrd="0" presId="urn:microsoft.com/office/officeart/2008/layout/LinedList"/>
+    <dgm:cxn modelId="{20F8257D-D181-4725-991D-C83FA7FA8AAB}" type="presParOf" srcId="{A8777D18-0A8E-43E6-B9C3-6CA20C29C949}" destId="{060EFBB6-756D-4248-A1B8-DC8C32DA5C62}" srcOrd="1" destOrd="7" presId="urn:microsoft.com/office/officeart/2008/layout/LinedList"/>
+    <dgm:cxn modelId="{C138A622-2142-48CD-8773-DB8F108D2008}" type="presParOf" srcId="{35DC4082-E8D4-46C0-90C7-3CE572DE752D}" destId="{E545455C-FC7A-4F79-B6DD-FAE96704422E}" srcOrd="8" destOrd="0" presId="urn:microsoft.com/office/officeart/2008/layout/LinedList"/>
+    <dgm:cxn modelId="{FA05E2B3-0B95-4A39-9BD6-3F23CA868768}" type="presParOf" srcId="{35DC4082-E8D4-46C0-90C7-3CE572DE752D}" destId="{3D59CBE4-AED3-4941-B663-F01B931BD14A}" srcOrd="9" destOrd="0" presId="urn:microsoft.com/office/officeart/2008/layout/LinedList"/>
+    <dgm:cxn modelId="{B7A3F7E4-267E-4194-AA9B-ADC448AF93F1}" type="presParOf" srcId="{3D59CBE4-AED3-4941-B663-F01B931BD14A}" destId="{0462F9E1-7B37-42DF-9C2E-2ABE1D63C315}" srcOrd="0" destOrd="9" presId="urn:microsoft.com/office/officeart/2008/layout/LinedList"/>
+    <dgm:cxn modelId="{6DE4DB0F-B10E-4E9E-BE19-AF41DAF8DB1D}" type="presOf" srcId="{7B3165FF-1535-4762-B886-5EC661445B35}" destId="{0462F9E1-7B37-42DF-9C2E-2ABE1D63C315}" srcOrd="0" destOrd="0" presId="urn:microsoft.com/office/officeart/2008/layout/LinedList"/>
+    <dgm:cxn modelId="{C4AA5656-175D-4CCB-B67B-85497EDF1782}" type="presParOf" srcId="{3D59CBE4-AED3-4941-B663-F01B931BD14A}" destId="{1AA2FE5D-747E-420E-A7AB-4B71383AF8C5}" srcOrd="1" destOrd="9" presId="urn:microsoft.com/office/officeart/2008/layout/LinedList"/>
   </dgm:cxnLst>
   <dgm:bg/>
   <dgm:whole/>
@@ -6722,31 +6709,31 @@
         <a:bodyPr vert="horz" wrap="square" lIns="60960" tIns="60960" rIns="60960" bIns="60960" anchor="t"/>
         <a:lstStyle>
           <a:lvl1pPr algn="l">
-            <a:defRPr sz="1700"/>
+            <a:defRPr sz="6500"/>
           </a:lvl1pPr>
-          <a:lvl2pPr marL="114300" indent="-114300" algn="l">
-            <a:defRPr sz="1300"/>
+          <a:lvl2pPr marL="285750" indent="-285750" algn="l">
+            <a:defRPr sz="5000"/>
           </a:lvl2pPr>
-          <a:lvl3pPr marL="228600" indent="-114300" algn="l">
-            <a:defRPr sz="1300"/>
+          <a:lvl3pPr marL="571500" indent="-285750" algn="l">
+            <a:defRPr sz="5000"/>
           </a:lvl3pPr>
-          <a:lvl4pPr marL="342900" indent="-114300" algn="l">
-            <a:defRPr sz="1300"/>
+          <a:lvl4pPr marL="857250" indent="-285750" algn="l">
+            <a:defRPr sz="5000"/>
           </a:lvl4pPr>
-          <a:lvl5pPr marL="457200" indent="-114300" algn="l">
-            <a:defRPr sz="1300"/>
+          <a:lvl5pPr marL="1143000" indent="-285750" algn="l">
+            <a:defRPr sz="5000"/>
           </a:lvl5pPr>
-          <a:lvl6pPr marL="571500" indent="-114300" algn="l">
-            <a:defRPr sz="1300"/>
+          <a:lvl6pPr marL="1428750" indent="-285750" algn="l">
+            <a:defRPr sz="5000"/>
           </a:lvl6pPr>
-          <a:lvl7pPr marL="685800" indent="-114300" algn="l">
-            <a:defRPr sz="1300"/>
+          <a:lvl7pPr marL="1714500" indent="-285750" algn="l">
+            <a:defRPr sz="5000"/>
           </a:lvl7pPr>
-          <a:lvl8pPr marL="800100" indent="-114300" algn="l">
-            <a:defRPr sz="1300"/>
+          <a:lvl8pPr marL="2000250" indent="-285750" algn="l">
+            <a:defRPr sz="5000"/>
           </a:lvl8pPr>
-          <a:lvl9pPr marL="914400" indent="-114300" algn="l">
-            <a:defRPr sz="1300"/>
+          <a:lvl9pPr marL="2286000" indent="-285750" algn="l">
+            <a:defRPr sz="5000"/>
           </a:lvl9pPr>
         </a:lstStyle>
         <a:p>
@@ -6852,31 +6839,31 @@
         <a:bodyPr vert="horz" wrap="square" lIns="60960" tIns="60960" rIns="60960" bIns="60960" anchor="t"/>
         <a:lstStyle>
           <a:lvl1pPr algn="l">
-            <a:defRPr sz="1700"/>
+            <a:defRPr sz="6500"/>
           </a:lvl1pPr>
-          <a:lvl2pPr marL="114300" indent="-114300" algn="l">
-            <a:defRPr sz="1300"/>
+          <a:lvl2pPr marL="285750" indent="-285750" algn="l">
+            <a:defRPr sz="5000"/>
           </a:lvl2pPr>
-          <a:lvl3pPr marL="228600" indent="-114300" algn="l">
-            <a:defRPr sz="1300"/>
+          <a:lvl3pPr marL="571500" indent="-285750" algn="l">
+            <a:defRPr sz="5000"/>
           </a:lvl3pPr>
-          <a:lvl4pPr marL="342900" indent="-114300" algn="l">
-            <a:defRPr sz="1300"/>
+          <a:lvl4pPr marL="857250" indent="-285750" algn="l">
+            <a:defRPr sz="5000"/>
           </a:lvl4pPr>
-          <a:lvl5pPr marL="457200" indent="-114300" algn="l">
-            <a:defRPr sz="1300"/>
+          <a:lvl5pPr marL="1143000" indent="-285750" algn="l">
+            <a:defRPr sz="5000"/>
           </a:lvl5pPr>
-          <a:lvl6pPr marL="571500" indent="-114300" algn="l">
-            <a:defRPr sz="1300"/>
+          <a:lvl6pPr marL="1428750" indent="-285750" algn="l">
+            <a:defRPr sz="5000"/>
           </a:lvl6pPr>
-          <a:lvl7pPr marL="685800" indent="-114300" algn="l">
-            <a:defRPr sz="1300"/>
+          <a:lvl7pPr marL="1714500" indent="-285750" algn="l">
+            <a:defRPr sz="5000"/>
           </a:lvl7pPr>
-          <a:lvl8pPr marL="800100" indent="-114300" algn="l">
-            <a:defRPr sz="1300"/>
+          <a:lvl8pPr marL="2000250" indent="-285750" algn="l">
+            <a:defRPr sz="5000"/>
           </a:lvl8pPr>
-          <a:lvl9pPr marL="914400" indent="-114300" algn="l">
-            <a:defRPr sz="1300"/>
+          <a:lvl9pPr marL="2286000" indent="-285750" algn="l">
+            <a:defRPr sz="5000"/>
           </a:lvl9pPr>
         </a:lstStyle>
         <a:p>
@@ -6899,7 +6886,17 @@
               <a:latin typeface="Times New Roman" panose="02020603050405020304" charset="0"/>
               <a:cs typeface="Times New Roman" panose="02020603050405020304" charset="0"/>
             </a:rPr>
-            <a:t> 2. AES encryption – N - times</a:t>
+            <a:t> 2. </a:t>
+          </a:r>
+          <a:r>
+            <a:rPr lang="en-US" sz="1600" dirty="0">
+              <a:solidFill>
+                <a:schemeClr val="tx1"/>
+              </a:solidFill>
+              <a:latin typeface="Times New Roman" panose="02020603050405020304" charset="0"/>
+              <a:cs typeface="Times New Roman" panose="02020603050405020304" charset="0"/>
+            </a:rPr>
+            <a:t>Encrypt the text using AES.</a:t>
           </a:r>
           <a:endParaRPr lang="en-US" sz="1600" dirty="0">
             <a:solidFill>
@@ -6979,34 +6976,34 @@
         <a:fontRef idx="minor"/>
       </dsp:style>
       <dsp:txBody>
-        <a:bodyPr vert="horz" wrap="square" lIns="64769" tIns="64769" rIns="64769" bIns="64769" anchor="t"/>
+        <a:bodyPr vert="horz" wrap="square" lIns="60960" tIns="60960" rIns="60960" bIns="60960" anchor="t"/>
         <a:lstStyle>
           <a:lvl1pPr algn="l">
-            <a:defRPr sz="1700"/>
+            <a:defRPr sz="6500"/>
           </a:lvl1pPr>
-          <a:lvl2pPr marL="114300" indent="-114300" algn="l">
-            <a:defRPr sz="1300"/>
+          <a:lvl2pPr marL="285750" indent="-285750" algn="l">
+            <a:defRPr sz="5000"/>
           </a:lvl2pPr>
-          <a:lvl3pPr marL="228600" indent="-114300" algn="l">
-            <a:defRPr sz="1300"/>
+          <a:lvl3pPr marL="571500" indent="-285750" algn="l">
+            <a:defRPr sz="5000"/>
           </a:lvl3pPr>
-          <a:lvl4pPr marL="342900" indent="-114300" algn="l">
-            <a:defRPr sz="1300"/>
+          <a:lvl4pPr marL="857250" indent="-285750" algn="l">
+            <a:defRPr sz="5000"/>
           </a:lvl4pPr>
-          <a:lvl5pPr marL="457200" indent="-114300" algn="l">
-            <a:defRPr sz="1300"/>
+          <a:lvl5pPr marL="1143000" indent="-285750" algn="l">
+            <a:defRPr sz="5000"/>
           </a:lvl5pPr>
-          <a:lvl6pPr marL="571500" indent="-114300" algn="l">
-            <a:defRPr sz="1300"/>
+          <a:lvl6pPr marL="1428750" indent="-285750" algn="l">
+            <a:defRPr sz="5000"/>
           </a:lvl6pPr>
-          <a:lvl7pPr marL="685800" indent="-114300" algn="l">
-            <a:defRPr sz="1300"/>
+          <a:lvl7pPr marL="1714500" indent="-285750" algn="l">
+            <a:defRPr sz="5000"/>
           </a:lvl7pPr>
-          <a:lvl8pPr marL="800100" indent="-114300" algn="l">
-            <a:defRPr sz="1300"/>
+          <a:lvl8pPr marL="2000250" indent="-285750" algn="l">
+            <a:defRPr sz="5000"/>
           </a:lvl8pPr>
-          <a:lvl9pPr marL="914400" indent="-114300" algn="l">
-            <a:defRPr sz="1300"/>
+          <a:lvl9pPr marL="2286000" indent="-285750" algn="l">
+            <a:defRPr sz="5000"/>
           </a:lvl9pPr>
         </a:lstStyle>
         <a:p>
@@ -7022,17 +7019,27 @@
             </a:spcAft>
           </a:pPr>
           <a:r>
-            <a:rPr lang="en-US" dirty="0">
+            <a:rPr lang="en-US" sz="1600" dirty="0">
               <a:solidFill>
                 <a:schemeClr val="tx1"/>
               </a:solidFill>
               <a:latin typeface="Times New Roman" panose="02020603050405020304" charset="0"/>
               <a:cs typeface="Times New Roman" panose="02020603050405020304" charset="0"/>
             </a:rPr>
-            <a:t>3. N_AES_Based Cipher</a:t>
+            <a:t>3. </a:t>
+          </a:r>
+          <a:r>
+            <a:rPr lang="en-IN" altLang="en-US" sz="1600" dirty="0">
+              <a:solidFill>
+                <a:schemeClr val="tx1"/>
+              </a:solidFill>
+              <a:latin typeface="Times New Roman" panose="02020603050405020304" charset="0"/>
+              <a:cs typeface="Times New Roman" panose="02020603050405020304" charset="0"/>
+            </a:rPr>
+            <a:t> Encrypt the AES key using RSA Public key</a:t>
           </a:r>
           <a:br>
-            <a:rPr lang="en-US" dirty="0">
+            <a:rPr lang="en-US" sz="2400" dirty="0">
               <a:solidFill>
                 <a:schemeClr val="tx1"/>
               </a:solidFill>
@@ -7040,36 +7047,7 @@
               <a:cs typeface="Times New Roman" panose="02020603050405020304" charset="0"/>
             </a:rPr>
           </a:br>
-          <a:r>
-            <a:rPr lang="en-US" dirty="0">
-              <a:solidFill>
-                <a:schemeClr val="tx1"/>
-              </a:solidFill>
-              <a:latin typeface="Times New Roman" panose="02020603050405020304" charset="0"/>
-              <a:cs typeface="Times New Roman" panose="02020603050405020304" charset="0"/>
-            </a:rPr>
-            <a:t>&amp;</a:t>
-          </a:r>
-          <a:br>
-            <a:rPr lang="en-US" dirty="0">
-              <a:solidFill>
-                <a:schemeClr val="tx1"/>
-              </a:solidFill>
-              <a:latin typeface="Times New Roman" panose="02020603050405020304" charset="0"/>
-              <a:cs typeface="Times New Roman" panose="02020603050405020304" charset="0"/>
-            </a:rPr>
-          </a:br>
-          <a:r>
-            <a:rPr lang="en-US" dirty="0">
-              <a:solidFill>
-                <a:schemeClr val="tx1"/>
-              </a:solidFill>
-              <a:latin typeface="Times New Roman" panose="02020603050405020304" charset="0"/>
-              <a:cs typeface="Times New Roman" panose="02020603050405020304" charset="0"/>
-            </a:rPr>
-            <a:t>AES encrypted key</a:t>
-          </a:r>
-          <a:endParaRPr lang="en-US" dirty="0">
+          <a:endParaRPr lang="en-US" sz="2400" dirty="0">
             <a:solidFill>
               <a:schemeClr val="tx1"/>
             </a:solidFill>
@@ -7150,31 +7128,31 @@
         <a:bodyPr vert="horz" wrap="square" lIns="60960" tIns="60960" rIns="60960" bIns="60960" anchor="t"/>
         <a:lstStyle>
           <a:lvl1pPr algn="l">
-            <a:defRPr sz="1700"/>
+            <a:defRPr sz="6500"/>
           </a:lvl1pPr>
-          <a:lvl2pPr marL="114300" indent="-114300" algn="l">
-            <a:defRPr sz="1300"/>
+          <a:lvl2pPr marL="285750" indent="-285750" algn="l">
+            <a:defRPr sz="5000"/>
           </a:lvl2pPr>
-          <a:lvl3pPr marL="228600" indent="-114300" algn="l">
-            <a:defRPr sz="1300"/>
+          <a:lvl3pPr marL="571500" indent="-285750" algn="l">
+            <a:defRPr sz="5000"/>
           </a:lvl3pPr>
-          <a:lvl4pPr marL="342900" indent="-114300" algn="l">
-            <a:defRPr sz="1300"/>
+          <a:lvl4pPr marL="857250" indent="-285750" algn="l">
+            <a:defRPr sz="5000"/>
           </a:lvl4pPr>
-          <a:lvl5pPr marL="457200" indent="-114300" algn="l">
-            <a:defRPr sz="1300"/>
+          <a:lvl5pPr marL="1143000" indent="-285750" algn="l">
+            <a:defRPr sz="5000"/>
           </a:lvl5pPr>
-          <a:lvl6pPr marL="571500" indent="-114300" algn="l">
-            <a:defRPr sz="1300"/>
+          <a:lvl6pPr marL="1428750" indent="-285750" algn="l">
+            <a:defRPr sz="5000"/>
           </a:lvl6pPr>
-          <a:lvl7pPr marL="685800" indent="-114300" algn="l">
-            <a:defRPr sz="1300"/>
+          <a:lvl7pPr marL="1714500" indent="-285750" algn="l">
+            <a:defRPr sz="5000"/>
           </a:lvl7pPr>
-          <a:lvl8pPr marL="800100" indent="-114300" algn="l">
-            <a:defRPr sz="1300"/>
+          <a:lvl8pPr marL="2000250" indent="-285750" algn="l">
+            <a:defRPr sz="5000"/>
           </a:lvl8pPr>
-          <a:lvl9pPr marL="914400" indent="-114300" algn="l">
-            <a:defRPr sz="1300"/>
+          <a:lvl9pPr marL="2286000" indent="-285750" algn="l">
+            <a:defRPr sz="5000"/>
           </a:lvl9pPr>
         </a:lstStyle>
         <a:p>
@@ -7197,7 +7175,27 @@
               <a:latin typeface="Times New Roman" panose="02020603050405020304" charset="0"/>
               <a:cs typeface="Times New Roman" panose="02020603050405020304" charset="0"/>
             </a:rPr>
-            <a:t>4. RSA based encryption</a:t>
+            <a:t>4. </a:t>
+          </a:r>
+          <a:r>
+            <a:rPr lang="en-IN" altLang="en-US" sz="1600" dirty="0">
+              <a:solidFill>
+                <a:schemeClr val="tx1"/>
+              </a:solidFill>
+              <a:latin typeface="Times New Roman" panose="02020603050405020304" charset="0"/>
+              <a:cs typeface="Times New Roman" panose="02020603050405020304" charset="0"/>
+            </a:rPr>
+            <a:t>Obtain </a:t>
+          </a:r>
+          <a:r>
+            <a:rPr lang="en-US" sz="1600" dirty="0">
+              <a:solidFill>
+                <a:schemeClr val="tx1"/>
+              </a:solidFill>
+              <a:latin typeface="Times New Roman" panose="02020603050405020304" charset="0"/>
+              <a:cs typeface="Times New Roman" panose="02020603050405020304" charset="0"/>
+            </a:rPr>
+            <a:t>AES-encrypted text and the RSA-encrypted AES key</a:t>
           </a:r>
           <a:endParaRPr lang="en-US" sz="1600" dirty="0">
             <a:solidFill>
@@ -7277,34 +7275,34 @@
         <a:fontRef idx="minor"/>
       </dsp:style>
       <dsp:txBody>
-        <a:bodyPr vert="horz" wrap="square" lIns="60960" tIns="60960" rIns="60960" bIns="60960" anchor="t"/>
+        <a:bodyPr vert="horz" wrap="square" anchor="t"/>
         <a:lstStyle>
           <a:lvl1pPr algn="l">
-            <a:defRPr sz="1700"/>
+            <a:defRPr sz="6500"/>
           </a:lvl1pPr>
-          <a:lvl2pPr marL="114300" indent="-114300" algn="l">
-            <a:defRPr sz="1300"/>
+          <a:lvl2pPr marL="285750" indent="-285750" algn="l">
+            <a:defRPr sz="5000"/>
           </a:lvl2pPr>
-          <a:lvl3pPr marL="228600" indent="-114300" algn="l">
-            <a:defRPr sz="1300"/>
+          <a:lvl3pPr marL="571500" indent="-285750" algn="l">
+            <a:defRPr sz="5000"/>
           </a:lvl3pPr>
-          <a:lvl4pPr marL="342900" indent="-114300" algn="l">
-            <a:defRPr sz="1300"/>
+          <a:lvl4pPr marL="857250" indent="-285750" algn="l">
+            <a:defRPr sz="5000"/>
           </a:lvl4pPr>
-          <a:lvl5pPr marL="457200" indent="-114300" algn="l">
-            <a:defRPr sz="1300"/>
+          <a:lvl5pPr marL="1143000" indent="-285750" algn="l">
+            <a:defRPr sz="5000"/>
           </a:lvl5pPr>
-          <a:lvl6pPr marL="571500" indent="-114300" algn="l">
-            <a:defRPr sz="1300"/>
+          <a:lvl6pPr marL="1428750" indent="-285750" algn="l">
+            <a:defRPr sz="5000"/>
           </a:lvl6pPr>
-          <a:lvl7pPr marL="685800" indent="-114300" algn="l">
-            <a:defRPr sz="1300"/>
+          <a:lvl7pPr marL="1714500" indent="-285750" algn="l">
+            <a:defRPr sz="5000"/>
           </a:lvl7pPr>
-          <a:lvl8pPr marL="800100" indent="-114300" algn="l">
-            <a:defRPr sz="1300"/>
+          <a:lvl8pPr marL="2000250" indent="-285750" algn="l">
+            <a:defRPr sz="5000"/>
           </a:lvl8pPr>
-          <a:lvl9pPr marL="914400" indent="-114300" algn="l">
-            <a:defRPr sz="1300"/>
+          <a:lvl9pPr marL="2286000" indent="-285750" algn="l">
+            <a:defRPr sz="5000"/>
           </a:lvl9pPr>
         </a:lstStyle>
         <a:p>
@@ -7319,16 +7317,6 @@
               <a:spcPct val="35000"/>
             </a:spcAft>
           </a:pPr>
-          <a:r>
-            <a:rPr lang="en-US" sz="1600" dirty="0">
-              <a:solidFill>
-                <a:schemeClr val="tx1"/>
-              </a:solidFill>
-              <a:latin typeface="Times New Roman" panose="02020603050405020304" charset="0"/>
-              <a:cs typeface="Times New Roman" panose="02020603050405020304" charset="0"/>
-            </a:rPr>
-            <a:t>5. RSA based Cipher</a:t>
-          </a:r>
           <a:endParaRPr lang="en-US" sz="1600" dirty="0">
             <a:solidFill>
               <a:schemeClr val="tx1"/>
@@ -7670,7 +7658,7 @@
               <a:latin typeface="Times New Roman" panose="02020603050405020304" charset="0"/>
               <a:cs typeface="Times New Roman" panose="02020603050405020304" charset="0"/>
             </a:rPr>
-            <a:t>Generate 128 bit AES key from ECC equation using hash of Device Id</a:t>
+            <a:t>Generate 128 bit AES key from ECC equation using Device Id</a:t>
           </a:r>
           <a:r>
             <a:rPr lang="en-IN" altLang="en-US" sz="1600" dirty="0">
@@ -7872,18 +7860,7 @@
               <a:cs typeface="Times New Roman" panose="02020603050405020304" charset="0"/>
               <a:sym typeface="+mn-ea"/>
             </a:rPr>
-            <a:t>hybrid of </a:t>
-          </a:r>
-          <a:r>
-            <a:rPr lang="en-IN" altLang="en-US" sz="1600" dirty="0">
-              <a:solidFill>
-                <a:schemeClr val="tx1"/>
-              </a:solidFill>
-              <a:latin typeface="Times New Roman" panose="02020603050405020304" charset="0"/>
-              <a:cs typeface="Times New Roman" panose="02020603050405020304" charset="0"/>
-              <a:sym typeface="+mn-ea"/>
-            </a:rPr>
-            <a:t>AES key and RSA</a:t>
+            <a:t>of dynamic AES key</a:t>
           </a:r>
           <a:endParaRPr lang="en-IN" altLang="en-US" sz="1600" dirty="0">
             <a:solidFill>
@@ -8213,8 +8190,9 @@
               </a:solidFill>
               <a:latin typeface="Times New Roman" panose="02020603050405020304" charset="0"/>
               <a:cs typeface="Times New Roman" panose="02020603050405020304" charset="0"/>
+              <a:sym typeface="+mn-ea"/>
             </a:rPr>
-            <a:t>Keys for </a:t>
+            <a:t>Encrypt each </a:t>
           </a:r>
           <a:r>
             <a:rPr lang="en-IN" altLang="en-US" sz="1600" dirty="0">
@@ -8223,29 +8201,20 @@
               </a:solidFill>
               <a:latin typeface="Times New Roman" panose="02020603050405020304" charset="0"/>
               <a:cs typeface="Times New Roman" panose="02020603050405020304" charset="0"/>
+              <a:sym typeface="+mn-ea"/>
             </a:rPr>
-            <a:t>Cipher to be constructed </a:t>
+            <a:t>AES key using RSA Public key</a:t>
           </a:r>
-          <a:r>
-            <a:rPr lang="en-IN" altLang="en-US" sz="1600" dirty="0">
+          <a:br>
+            <a:rPr lang="en-US" sz="1600" dirty="0">
               <a:solidFill>
                 <a:schemeClr val="tx1"/>
               </a:solidFill>
               <a:latin typeface="Times New Roman" panose="02020603050405020304" charset="0"/>
               <a:cs typeface="Times New Roman" panose="02020603050405020304" charset="0"/>
+              <a:sym typeface="+mn-ea"/>
             </a:rPr>
-            <a:t>with </a:t>
-          </a:r>
-          <a:r>
-            <a:rPr lang="en-IN" altLang="en-US" sz="1600" dirty="0">
-              <a:solidFill>
-                <a:schemeClr val="tx1"/>
-              </a:solidFill>
-              <a:latin typeface="Times New Roman" panose="02020603050405020304" charset="0"/>
-              <a:cs typeface="Times New Roman" panose="02020603050405020304" charset="0"/>
-            </a:rPr>
-            <a:t>evolving time</a:t>
-          </a:r>
+          </a:br>
           <a:endParaRPr lang="en-IN" altLang="en-US" sz="1600" dirty="0">
             <a:solidFill>
               <a:schemeClr val="tx1"/>
@@ -17238,6 +17207,54 @@
         <p:nvSpPr>
           <p:cNvPr id="3" name="Text Placeholder 2"/>
           <p:cNvSpPr/>
+          <p:nvPr>
+            <p:ph type="body" idx="3"/>
+          </p:nvPr>
+        </p:nvSpPr>
+        <p:spPr/>
+        <p:txBody>
+          <a:bodyPr/>
+          <a:p>
+            <a:endParaRPr lang="en-US"/>
+          </a:p>
+        </p:txBody>
+      </p:sp>
+    </p:spTree>
+  </p:cSld>
+  <p:clrMapOvr>
+    <a:masterClrMapping/>
+  </p:clrMapOvr>
+</p:notes>
+</file>
+
+<file path=ppt/notesSlides/notesSlide2.xml><?xml version="1.0" encoding="utf-8"?>
+<p:notes xmlns:a="http://schemas.openxmlformats.org/drawingml/2006/main" xmlns:r="http://schemas.openxmlformats.org/officeDocument/2006/relationships" xmlns:p="http://schemas.openxmlformats.org/presentationml/2006/main">
+  <p:cSld>
+    <p:spTree>
+      <p:nvGrpSpPr>
+        <p:cNvPr id="1" name=""/>
+        <p:cNvGrpSpPr/>
+        <p:nvPr/>
+      </p:nvGrpSpPr>
+      <p:grpSpPr/>
+      <p:sp>
+        <p:nvSpPr>
+          <p:cNvPr id="2" name="Slide Image Placeholder 1"/>
+          <p:cNvSpPr>
+            <a:spLocks noGrp="1"/>
+          </p:cNvSpPr>
+          <p:nvPr>
+            <p:ph type="sldImg" idx="2"/>
+          </p:nvPr>
+        </p:nvSpPr>
+        <p:spPr/>
+      </p:sp>
+      <p:sp>
+        <p:nvSpPr>
+          <p:cNvPr id="3" name="Text Placeholder 2"/>
+          <p:cNvSpPr>
+            <a:spLocks noGrp="1"/>
+          </p:cNvSpPr>
           <p:nvPr>
             <p:ph type="body" idx="3"/>
           </p:nvPr>
@@ -22034,7 +22051,7 @@
           <p:nvPr/>
         </p:nvGraphicFramePr>
         <p:xfrm>
-          <a:off x="6096000" y="1047750"/>
+          <a:off x="6066790" y="1047750"/>
           <a:ext cx="4771965" cy="4572000"/>
         </p:xfrm>
         <a:graphic>
@@ -22618,678 +22635,6 @@
         <p:nvPr/>
       </p:nvGrpSpPr>
       <p:grpSpPr/>
-      <p:pic>
-        <p:nvPicPr>
-          <p:cNvPr id="2" name="Picture 1"/>
-          <p:cNvPicPr>
-            <a:picLocks noChangeAspect="1"/>
-          </p:cNvPicPr>
-          <p:nvPr/>
-        </p:nvPicPr>
-        <p:blipFill>
-          <a:blip r:embed="rId1"/>
-          <a:stretch>
-            <a:fillRect/>
-          </a:stretch>
-        </p:blipFill>
-        <p:spPr>
-          <a:xfrm>
-            <a:off x="6915785" y="1497330"/>
-            <a:ext cx="2973705" cy="812800"/>
-          </a:xfrm>
-          <a:prstGeom prst="rect">
-            <a:avLst/>
-          </a:prstGeom>
-          <a:ln>
-            <a:solidFill>
-              <a:schemeClr val="tx1"/>
-            </a:solidFill>
-          </a:ln>
-        </p:spPr>
-      </p:pic>
-      <p:pic>
-        <p:nvPicPr>
-          <p:cNvPr id="3" name="Picture 2"/>
-          <p:cNvPicPr>
-            <a:picLocks noChangeAspect="1"/>
-          </p:cNvPicPr>
-          <p:nvPr/>
-        </p:nvPicPr>
-        <p:blipFill>
-          <a:blip r:embed="rId2"/>
-          <a:stretch>
-            <a:fillRect/>
-          </a:stretch>
-        </p:blipFill>
-        <p:spPr>
-          <a:xfrm>
-            <a:off x="6602095" y="3117850"/>
-            <a:ext cx="3784600" cy="797560"/>
-          </a:xfrm>
-          <a:prstGeom prst="rect">
-            <a:avLst/>
-          </a:prstGeom>
-          <a:ln>
-            <a:solidFill>
-              <a:schemeClr val="tx1"/>
-            </a:solidFill>
-          </a:ln>
-        </p:spPr>
-      </p:pic>
-      <p:pic>
-        <p:nvPicPr>
-          <p:cNvPr id="4" name="Picture 3"/>
-          <p:cNvPicPr>
-            <a:picLocks noChangeAspect="1"/>
-          </p:cNvPicPr>
-          <p:nvPr/>
-        </p:nvPicPr>
-        <p:blipFill>
-          <a:blip r:embed="rId3"/>
-          <a:stretch>
-            <a:fillRect/>
-          </a:stretch>
-        </p:blipFill>
-        <p:spPr>
-          <a:xfrm>
-            <a:off x="6602095" y="4882515"/>
-            <a:ext cx="4117975" cy="710565"/>
-          </a:xfrm>
-          <a:prstGeom prst="rect">
-            <a:avLst/>
-          </a:prstGeom>
-          <a:ln>
-            <a:solidFill>
-              <a:schemeClr val="tx1"/>
-            </a:solidFill>
-          </a:ln>
-        </p:spPr>
-      </p:pic>
-      <p:sp>
-        <p:nvSpPr>
-          <p:cNvPr id="782" name="TextBox 781"/>
-          <p:cNvSpPr txBox="1"/>
-          <p:nvPr/>
-        </p:nvSpPr>
-        <p:spPr>
-          <a:xfrm>
-            <a:off x="334010" y="312420"/>
-            <a:ext cx="9390380" cy="624840"/>
-          </a:xfrm>
-          <a:prstGeom prst="rect">
-            <a:avLst/>
-          </a:prstGeom>
-        </p:spPr>
-        <p:txBody>
-          <a:bodyPr rot="0" spcFirstLastPara="0" vertOverflow="overflow" horzOverflow="overflow" vert="horz" lIns="91440" tIns="45720" rIns="91440" bIns="45720" numCol="1" spcCol="0" rtlCol="0" fromWordArt="0" anchor="t" anchorCtr="0" forceAA="0" compatLnSpc="1">
-            <a:normAutofit/>
-          </a:bodyPr>
-          <a:p>
-            <a:pPr>
-              <a:lnSpc>
-                <a:spcPct val="90000"/>
-              </a:lnSpc>
-              <a:spcBef>
-                <a:spcPct val="0"/>
-              </a:spcBef>
-              <a:spcAft>
-                <a:spcPts val="600"/>
-              </a:spcAft>
-            </a:pPr>
-            <a:r>
-              <a:rPr lang="en-IN" altLang="en-US" sz="2800" b="1" dirty="0" smtClean="0">
-                <a:latin typeface="Times New Roman" panose="02020603050405020304" charset="0"/>
-                <a:ea typeface="+mj-ea"/>
-                <a:cs typeface="Times New Roman" panose="02020603050405020304" charset="0"/>
-              </a:rPr>
-              <a:t>8.2.1 Key derivation from ECC Equation</a:t>
-            </a:r>
-            <a:endParaRPr lang="en-IN" altLang="en-US" sz="2800" b="1" dirty="0" smtClean="0">
-              <a:latin typeface="Times New Roman" panose="02020603050405020304" charset="0"/>
-              <a:ea typeface="+mj-ea"/>
-              <a:cs typeface="Times New Roman" panose="02020603050405020304" charset="0"/>
-            </a:endParaRPr>
-          </a:p>
-        </p:txBody>
-      </p:sp>
-      <p:sp>
-        <p:nvSpPr>
-          <p:cNvPr id="5" name="Text Box 4"/>
-          <p:cNvSpPr txBox="1"/>
-          <p:nvPr/>
-        </p:nvSpPr>
-        <p:spPr>
-          <a:xfrm>
-            <a:off x="626110" y="1246505"/>
-            <a:ext cx="6096000" cy="5077460"/>
-          </a:xfrm>
-          <a:prstGeom prst="rect">
-            <a:avLst/>
-          </a:prstGeom>
-          <a:noFill/>
-        </p:spPr>
-        <p:txBody>
-          <a:bodyPr wrap="square" rtlCol="0" anchor="t">
-            <a:spAutoFit/>
-          </a:bodyPr>
-          <a:p>
-            <a:pPr indent="0">
-              <a:buFont typeface="Arial" panose="020B0604020202020204" pitchFamily="34" charset="0"/>
-              <a:buNone/>
-            </a:pPr>
-            <a:r>
-              <a:rPr lang="en-US"/>
-              <a:t>The proposed method considers</a:t>
-            </a:r>
-            <a:endParaRPr lang="en-US"/>
-          </a:p>
-          <a:p>
-            <a:pPr marL="342900" indent="-342900">
-              <a:buFont typeface="Arial" panose="020B0604020202020204" pitchFamily="34" charset="0"/>
-              <a:buAutoNum type="arabicPeriod"/>
-            </a:pPr>
-            <a:r>
-              <a:rPr lang="en-US"/>
-              <a:t>VID as a</a:t>
-            </a:r>
-            <a:endParaRPr lang="en-US"/>
-          </a:p>
-          <a:p>
-            <a:pPr marL="342900" indent="-342900">
-              <a:buFont typeface="Arial" panose="020B0604020202020204" pitchFamily="34" charset="0"/>
-              <a:buAutoNum type="arabicPeriod"/>
-            </a:pPr>
-            <a:r>
-              <a:rPr lang="en-US"/>
-              <a:t>Rmac as b</a:t>
-            </a:r>
-            <a:endParaRPr lang="en-US"/>
-          </a:p>
-          <a:p>
-            <a:pPr marL="342900" indent="-342900">
-              <a:buFont typeface="Arial" panose="020B0604020202020204" pitchFamily="34" charset="0"/>
-              <a:buAutoNum type="arabicPeriod"/>
-            </a:pPr>
-            <a:r>
-              <a:rPr lang="en-IN" altLang="en-US"/>
-              <a:t>x being the previous key generated</a:t>
-            </a:r>
-            <a:endParaRPr lang="en-IN" altLang="en-US"/>
-          </a:p>
-          <a:p>
-            <a:endParaRPr lang="en-IN" altLang="en-US"/>
-          </a:p>
-          <a:p>
-            <a:r>
-              <a:rPr lang="en-IN" altLang="en-US"/>
-              <a:t>Final key for each chunk is derived using </a:t>
-            </a:r>
-            <a:endParaRPr lang="en-IN" altLang="en-US"/>
-          </a:p>
-          <a:p>
-            <a:endParaRPr lang="en-US"/>
-          </a:p>
-          <a:p>
-            <a:pPr marL="285750" indent="-285750">
-              <a:buFont typeface="Arial" panose="020B0604020202020204" pitchFamily="34" charset="0"/>
-              <a:buChar char="•"/>
-            </a:pPr>
-            <a:r>
-              <a:rPr lang="en-US" b="1"/>
-              <a:t>HMAC-based Extract-and-Expand Key Derivation Function (HKDF)</a:t>
-            </a:r>
-            <a:endParaRPr lang="en-US" b="1"/>
-          </a:p>
-          <a:p>
-            <a:endParaRPr lang="en-US"/>
-          </a:p>
-          <a:p>
-            <a:r>
-              <a:rPr lang="en-IN" altLang="en-US" u="sng"/>
-              <a:t>Input params for HKDF:</a:t>
-            </a:r>
-            <a:endParaRPr lang="en-US" u="sng"/>
-          </a:p>
-          <a:p>
-            <a:endParaRPr lang="en-US"/>
-          </a:p>
-          <a:p>
-            <a:r>
-              <a:rPr lang="en-US"/>
-              <a:t>Key: </a:t>
-            </a:r>
-            <a:r>
-              <a:rPr lang="en-IN" altLang="en-US"/>
-              <a:t>Derived from Equation</a:t>
-            </a:r>
-            <a:endParaRPr lang="en-US"/>
-          </a:p>
-          <a:p>
-            <a:r>
-              <a:rPr lang="en-US"/>
-              <a:t>Message: </a:t>
-            </a:r>
-            <a:r>
-              <a:rPr lang="en-IN" altLang="en-US"/>
-              <a:t>Video data from each chunk</a:t>
-            </a:r>
-            <a:endParaRPr lang="en-US"/>
-          </a:p>
-          <a:p>
-            <a:r>
-              <a:rPr lang="en-US"/>
-              <a:t>Hash Function: sha256</a:t>
-            </a:r>
-            <a:endParaRPr lang="en-US"/>
-          </a:p>
-          <a:p>
-            <a:r>
-              <a:rPr lang="en-IN" altLang="en-US"/>
-              <a:t>length: 16 bytes (128 bit)</a:t>
-            </a:r>
-            <a:endParaRPr lang="en-IN" altLang="en-US"/>
-          </a:p>
-          <a:p>
-            <a:endParaRPr lang="en-US"/>
-          </a:p>
-          <a:p>
-            <a:r>
-              <a:rPr lang="en-IN" altLang="en-US"/>
-              <a:t>Output: Derived Key </a:t>
-            </a:r>
-            <a:endParaRPr lang="en-IN" altLang="en-US"/>
-          </a:p>
-        </p:txBody>
-      </p:sp>
-      <p:sp>
-        <p:nvSpPr>
-          <p:cNvPr id="6" name="Text Box 5"/>
-          <p:cNvSpPr txBox="1"/>
-          <p:nvPr/>
-        </p:nvSpPr>
-        <p:spPr>
-          <a:xfrm>
-            <a:off x="6602095" y="4016375"/>
-            <a:ext cx="3601720" cy="368300"/>
-          </a:xfrm>
-          <a:prstGeom prst="rect">
-            <a:avLst/>
-          </a:prstGeom>
-          <a:noFill/>
-        </p:spPr>
-        <p:txBody>
-          <a:bodyPr wrap="square" rtlCol="0" anchor="t">
-            <a:spAutoFit/>
-          </a:bodyPr>
-          <a:p>
-            <a:r>
-              <a:rPr lang="en-IN" altLang="en-US"/>
-              <a:t>(U</a:t>
-            </a:r>
-            <a:r>
-              <a:rPr lang="en-US"/>
-              <a:t>sed only for the first video chu</a:t>
-            </a:r>
-            <a:r>
-              <a:rPr lang="en-IN" altLang="en-US"/>
-              <a:t>n</a:t>
-            </a:r>
-            <a:r>
-              <a:rPr lang="en-US"/>
-              <a:t>k</a:t>
-            </a:r>
-            <a:r>
-              <a:rPr lang="en-IN" altLang="en-US"/>
-              <a:t>)</a:t>
-            </a:r>
-            <a:endParaRPr lang="en-IN" altLang="en-US"/>
-          </a:p>
-        </p:txBody>
-      </p:sp>
-      <p:sp>
-        <p:nvSpPr>
-          <p:cNvPr id="7" name="Text Box 6"/>
-          <p:cNvSpPr txBox="1"/>
-          <p:nvPr/>
-        </p:nvSpPr>
-        <p:spPr>
-          <a:xfrm>
-            <a:off x="7585710" y="5742940"/>
-            <a:ext cx="3936365" cy="368300"/>
-          </a:xfrm>
-          <a:prstGeom prst="rect">
-            <a:avLst/>
-          </a:prstGeom>
-          <a:noFill/>
-        </p:spPr>
-        <p:txBody>
-          <a:bodyPr wrap="square" rtlCol="0" anchor="t">
-            <a:spAutoFit/>
-          </a:bodyPr>
-          <a:p>
-            <a:r>
-              <a:rPr lang="en-IN" altLang="en-US"/>
-              <a:t>(For all </a:t>
-            </a:r>
-            <a:r>
-              <a:rPr lang="en-US"/>
-              <a:t>remaining chucks</a:t>
-            </a:r>
-            <a:r>
-              <a:rPr lang="en-IN" altLang="en-US"/>
-              <a:t> of </a:t>
-            </a:r>
-            <a:r>
-              <a:rPr lang="en-US"/>
-              <a:t>the video</a:t>
-            </a:r>
-            <a:r>
-              <a:rPr lang="en-IN" altLang="en-US"/>
-              <a:t>)</a:t>
-            </a:r>
-            <a:endParaRPr lang="en-IN" altLang="en-US"/>
-          </a:p>
-        </p:txBody>
-      </p:sp>
-      <p:sp>
-        <p:nvSpPr>
-          <p:cNvPr id="8" name="Text Box 7"/>
-          <p:cNvSpPr txBox="1"/>
-          <p:nvPr/>
-        </p:nvSpPr>
-        <p:spPr>
-          <a:xfrm>
-            <a:off x="10288905" y="1674495"/>
-            <a:ext cx="673100" cy="476250"/>
-          </a:xfrm>
-          <a:prstGeom prst="rect">
-            <a:avLst/>
-          </a:prstGeom>
-          <a:noFill/>
-        </p:spPr>
-        <p:txBody>
-          <a:bodyPr wrap="square" rtlCol="0">
-            <a:noAutofit/>
-          </a:bodyPr>
-          <a:p>
-            <a:r>
-              <a:rPr lang="en-IN" altLang="en-US"/>
-              <a:t>(1)</a:t>
-            </a:r>
-            <a:endParaRPr lang="en-IN" altLang="en-US"/>
-          </a:p>
-        </p:txBody>
-      </p:sp>
-      <p:sp>
-        <p:nvSpPr>
-          <p:cNvPr id="9" name="Text Box 8"/>
-          <p:cNvSpPr txBox="1"/>
-          <p:nvPr/>
-        </p:nvSpPr>
-        <p:spPr>
-          <a:xfrm>
-            <a:off x="10558780" y="3358515"/>
-            <a:ext cx="673100" cy="476250"/>
-          </a:xfrm>
-          <a:prstGeom prst="rect">
-            <a:avLst/>
-          </a:prstGeom>
-          <a:noFill/>
-        </p:spPr>
-        <p:txBody>
-          <a:bodyPr wrap="square" rtlCol="0">
-            <a:noAutofit/>
-          </a:bodyPr>
-          <a:p>
-            <a:r>
-              <a:rPr lang="en-IN" altLang="en-US"/>
-              <a:t>(2)</a:t>
-            </a:r>
-            <a:endParaRPr lang="en-IN" altLang="en-US"/>
-          </a:p>
-        </p:txBody>
-      </p:sp>
-      <p:sp>
-        <p:nvSpPr>
-          <p:cNvPr id="10" name="Text Box 9"/>
-          <p:cNvSpPr txBox="1"/>
-          <p:nvPr/>
-        </p:nvSpPr>
-        <p:spPr>
-          <a:xfrm>
-            <a:off x="10962005" y="4999990"/>
-            <a:ext cx="673100" cy="476250"/>
-          </a:xfrm>
-          <a:prstGeom prst="rect">
-            <a:avLst/>
-          </a:prstGeom>
-          <a:noFill/>
-        </p:spPr>
-        <p:txBody>
-          <a:bodyPr wrap="square" rtlCol="0">
-            <a:noAutofit/>
-          </a:bodyPr>
-          <a:p>
-            <a:r>
-              <a:rPr lang="en-IN" altLang="en-US"/>
-              <a:t>(3)</a:t>
-            </a:r>
-            <a:endParaRPr lang="en-IN" altLang="en-US"/>
-          </a:p>
-        </p:txBody>
-      </p:sp>
-      <p:sp>
-        <p:nvSpPr>
-          <p:cNvPr id="11" name="Freeform: Shape 9"/>
-          <p:cNvSpPr>
-            <a:spLocks noGrp="1" noRot="1" noChangeAspect="1" noMove="1" noResize="1" noEditPoints="1" noAdjustHandles="1" noChangeArrowheads="1" noChangeShapeType="1" noTextEdit="1"/>
-          </p:cNvSpPr>
-          <p:nvPr/>
-        </p:nvSpPr>
-        <p:spPr>
-          <a:xfrm rot="10800000" flipH="1">
-            <a:off x="9268460" y="0"/>
-            <a:ext cx="2923540" cy="1567180"/>
-          </a:xfrm>
-          <a:custGeom>
-            <a:avLst/>
-            <a:gdLst>
-              <a:gd name="connsiteX0" fmla="*/ 2923855 w 2923855"/>
-              <a:gd name="connsiteY0" fmla="*/ 1479128 h 1479128"/>
-              <a:gd name="connsiteX1" fmla="*/ 0 w 2923855"/>
-              <a:gd name="connsiteY1" fmla="*/ 1479128 h 1479128"/>
-              <a:gd name="connsiteX2" fmla="*/ 1368245 w 2923855"/>
-              <a:gd name="connsiteY2" fmla="*/ 405504 h 1479128"/>
-              <a:gd name="connsiteX3" fmla="*/ 1410727 w 2923855"/>
-              <a:gd name="connsiteY3" fmla="*/ 373857 h 1479128"/>
-              <a:gd name="connsiteX4" fmla="*/ 2503486 w 2923855"/>
-              <a:gd name="connsiteY4" fmla="*/ 1756 h 1479128"/>
-              <a:gd name="connsiteX5" fmla="*/ 2622568 w 2923855"/>
-              <a:gd name="connsiteY5" fmla="*/ 284 h 1479128"/>
-              <a:gd name="connsiteX6" fmla="*/ 2785835 w 2923855"/>
-              <a:gd name="connsiteY6" fmla="*/ 9494 h 1479128"/>
-              <a:gd name="connsiteX7" fmla="*/ 2923855 w 2923855"/>
-              <a:gd name="connsiteY7" fmla="*/ 28352 h 1479128"/>
-            </a:gdLst>
-            <a:ahLst/>
-            <a:cxnLst>
-              <a:cxn ang="0">
-                <a:pos x="connsiteX0" y="connsiteY0"/>
-              </a:cxn>
-              <a:cxn ang="0">
-                <a:pos x="connsiteX1" y="connsiteY1"/>
-              </a:cxn>
-              <a:cxn ang="0">
-                <a:pos x="connsiteX2" y="connsiteY2"/>
-              </a:cxn>
-              <a:cxn ang="0">
-                <a:pos x="connsiteX3" y="connsiteY3"/>
-              </a:cxn>
-              <a:cxn ang="0">
-                <a:pos x="connsiteX4" y="connsiteY4"/>
-              </a:cxn>
-              <a:cxn ang="0">
-                <a:pos x="connsiteX5" y="connsiteY5"/>
-              </a:cxn>
-              <a:cxn ang="0">
-                <a:pos x="connsiteX6" y="connsiteY6"/>
-              </a:cxn>
-              <a:cxn ang="0">
-                <a:pos x="connsiteX7" y="connsiteY7"/>
-              </a:cxn>
-            </a:cxnLst>
-            <a:rect l="l" t="t" r="r" b="b"/>
-            <a:pathLst>
-              <a:path w="2923855" h="1479128">
-                <a:moveTo>
-                  <a:pt x="2923855" y="1479128"/>
-                </a:moveTo>
-                <a:lnTo>
-                  <a:pt x="0" y="1479128"/>
-                </a:lnTo>
-                <a:lnTo>
-                  <a:pt x="1368245" y="405504"/>
-                </a:lnTo>
-                <a:lnTo>
-                  <a:pt x="1410727" y="373857"/>
-                </a:lnTo>
-                <a:cubicBezTo>
-                  <a:pt x="1742357" y="139664"/>
-                  <a:pt x="2122368" y="17528"/>
-                  <a:pt x="2503486" y="1756"/>
-                </a:cubicBezTo>
-                <a:cubicBezTo>
-                  <a:pt x="2543187" y="114"/>
-                  <a:pt x="2582898" y="-375"/>
-                  <a:pt x="2622568" y="284"/>
-                </a:cubicBezTo>
-                <a:cubicBezTo>
-                  <a:pt x="2677115" y="1190"/>
-                  <a:pt x="2731584" y="4266"/>
-                  <a:pt x="2785835" y="9494"/>
-                </a:cubicBezTo>
-                <a:lnTo>
-                  <a:pt x="2923855" y="28352"/>
-                </a:lnTo>
-                <a:close/>
-              </a:path>
-            </a:pathLst>
-          </a:custGeom>
-          <a:gradFill>
-            <a:gsLst>
-              <a:gs pos="19000">
-                <a:schemeClr val="bg2"/>
-              </a:gs>
-              <a:gs pos="99000">
-                <a:schemeClr val="accent1">
-                  <a:lumMod val="60000"/>
-                  <a:lumOff val="40000"/>
-                </a:schemeClr>
-              </a:gs>
-            </a:gsLst>
-            <a:lin ang="1200000" scaled="0"/>
-          </a:gradFill>
-          <a:ln>
-            <a:noFill/>
-          </a:ln>
-        </p:spPr>
-        <p:style>
-          <a:lnRef idx="2">
-            <a:schemeClr val="accent1">
-              <a:shade val="50000"/>
-            </a:schemeClr>
-          </a:lnRef>
-          <a:fillRef idx="1">
-            <a:schemeClr val="accent1"/>
-          </a:fillRef>
-          <a:effectRef idx="0">
-            <a:schemeClr val="accent1"/>
-          </a:effectRef>
-          <a:fontRef idx="minor">
-            <a:schemeClr val="lt1"/>
-          </a:fontRef>
-        </p:style>
-        <p:txBody>
-          <a:bodyPr wrap="square" rtlCol="0" anchor="ctr">
-            <a:noAutofit/>
-          </a:bodyPr>
-          <a:p>
-            <a:pPr algn="ctr"/>
-            <a:endParaRPr lang="en-US" sz="2000">
-              <a:latin typeface="Times New Roman" panose="02020603050405020304" charset="0"/>
-              <a:cs typeface="Times New Roman" panose="02020603050405020304" charset="0"/>
-            </a:endParaRPr>
-          </a:p>
-        </p:txBody>
-      </p:sp>
-      <p:sp>
-        <p:nvSpPr>
-          <p:cNvPr id="12" name="Text Box 11"/>
-          <p:cNvSpPr txBox="1"/>
-          <p:nvPr/>
-        </p:nvSpPr>
-        <p:spPr>
-          <a:xfrm>
-            <a:off x="7314565" y="1047750"/>
-            <a:ext cx="6096000" cy="339725"/>
-          </a:xfrm>
-          <a:prstGeom prst="rect">
-            <a:avLst/>
-          </a:prstGeom>
-          <a:noFill/>
-        </p:spPr>
-        <p:txBody>
-          <a:bodyPr wrap="square" rtlCol="0" anchor="t">
-            <a:spAutoFit/>
-          </a:bodyPr>
-          <a:p>
-            <a:pPr>
-              <a:lnSpc>
-                <a:spcPct val="90000"/>
-              </a:lnSpc>
-              <a:spcBef>
-                <a:spcPct val="0"/>
-              </a:spcBef>
-              <a:spcAft>
-                <a:spcPts val="600"/>
-              </a:spcAft>
-            </a:pPr>
-            <a:r>
-              <a:rPr lang="en-IN" altLang="en-US" dirty="0" smtClean="0">
-                <a:latin typeface="Times New Roman" panose="02020603050405020304" charset="0"/>
-                <a:ea typeface="+mj-ea"/>
-                <a:cs typeface="Times New Roman" panose="02020603050405020304" charset="0"/>
-                <a:sym typeface="+mn-ea"/>
-              </a:rPr>
-              <a:t>ECC Equation</a:t>
-            </a:r>
-            <a:endParaRPr lang="en-IN" altLang="en-US" dirty="0" smtClean="0">
-              <a:latin typeface="Times New Roman" panose="02020603050405020304" charset="0"/>
-              <a:ea typeface="+mj-ea"/>
-              <a:cs typeface="Times New Roman" panose="02020603050405020304" charset="0"/>
-              <a:sym typeface="+mn-ea"/>
-            </a:endParaRPr>
-          </a:p>
-        </p:txBody>
-      </p:sp>
-    </p:spTree>
-  </p:cSld>
-  <p:clrMapOvr>
-    <a:masterClrMapping/>
-  </p:clrMapOvr>
-</p:sld>
-</file>
-
-<file path=ppt/slides/slide14.xml><?xml version="1.0" encoding="utf-8"?>
-<p:sld xmlns:a="http://schemas.openxmlformats.org/drawingml/2006/main" xmlns:r="http://schemas.openxmlformats.org/officeDocument/2006/relationships" xmlns:p="http://schemas.openxmlformats.org/presentationml/2006/main">
-  <p:cSld>
-    <p:spTree>
-      <p:nvGrpSpPr>
-        <p:cNvPr id="1" name=""/>
-        <p:cNvGrpSpPr/>
-        <p:nvPr/>
-      </p:nvGrpSpPr>
-      <p:grpSpPr/>
       <p:sp>
         <p:nvSpPr>
           <p:cNvPr id="12" name="Freeform: Shape 11"/>
@@ -23423,7 +22768,7 @@
                 <a:cs typeface="Times New Roman" panose="02020603050405020304" charset="0"/>
                 <a:sym typeface="+mn-ea"/>
               </a:rPr>
-              <a:t>7.2.1. Video communication using public key cryptography</a:t>
+              <a:t>8.2.1. Video communication using public key cryptography</a:t>
             </a:r>
             <a:endParaRPr lang="en-IN" sz="2800" b="1" dirty="0" smtClean="0">
               <a:latin typeface="Times New Roman" panose="02020603050405020304" charset="0"/>
@@ -23513,7 +22858,7 @@
 </p:sld>
 </file>
 
-<file path=ppt/slides/slide15.xml><?xml version="1.0" encoding="utf-8"?>
+<file path=ppt/slides/slide14.xml><?xml version="1.0" encoding="utf-8"?>
 <p:sld xmlns:a="http://schemas.openxmlformats.org/drawingml/2006/main" xmlns:r="http://schemas.openxmlformats.org/officeDocument/2006/relationships" xmlns:p="http://schemas.openxmlformats.org/presentationml/2006/main">
   <p:cSld>
     <p:spTree>
@@ -23754,6 +23099,242 @@
 </p:sld>
 </file>
 
+<file path=ppt/slides/slide15.xml><?xml version="1.0" encoding="utf-8"?>
+<p:sld xmlns:a="http://schemas.openxmlformats.org/drawingml/2006/main" xmlns:r="http://schemas.openxmlformats.org/officeDocument/2006/relationships" xmlns:p="http://schemas.openxmlformats.org/presentationml/2006/main">
+  <p:cSld>
+    <p:spTree>
+      <p:nvGrpSpPr>
+        <p:cNvPr id="1" name=""/>
+        <p:cNvGrpSpPr/>
+        <p:nvPr/>
+      </p:nvGrpSpPr>
+      <p:grpSpPr/>
+      <p:sp>
+        <p:nvSpPr>
+          <p:cNvPr id="12" name="Freeform: Shape 11"/>
+          <p:cNvSpPr>
+            <a:spLocks noGrp="1" noRot="1" noChangeAspect="1" noMove="1" noResize="1" noEditPoints="1" noAdjustHandles="1" noChangeArrowheads="1" noChangeShapeType="1" noTextEdit="1"/>
+          </p:cNvSpPr>
+          <p:nvPr/>
+        </p:nvSpPr>
+        <p:spPr>
+          <a:xfrm rot="21540000" flipV="1">
+            <a:off x="-58916" y="-105868"/>
+            <a:ext cx="12309832" cy="7069736"/>
+          </a:xfrm>
+          <a:custGeom>
+            <a:avLst/>
+            <a:gdLst>
+              <a:gd name="connsiteX0" fmla="*/ 119689 w 12309832"/>
+              <a:gd name="connsiteY0" fmla="*/ 7069736 h 7069736"/>
+              <a:gd name="connsiteX1" fmla="*/ 12309832 w 12309832"/>
+              <a:gd name="connsiteY1" fmla="*/ 6856956 h 7069736"/>
+              <a:gd name="connsiteX2" fmla="*/ 12190143 w 12309832"/>
+              <a:gd name="connsiteY2" fmla="*/ 0 h 7069736"/>
+              <a:gd name="connsiteX3" fmla="*/ 0 w 12309832"/>
+              <a:gd name="connsiteY3" fmla="*/ 212780 h 7069736"/>
+            </a:gdLst>
+            <a:ahLst/>
+            <a:cxnLst>
+              <a:cxn ang="0">
+                <a:pos x="connsiteX0" y="connsiteY0"/>
+              </a:cxn>
+              <a:cxn ang="0">
+                <a:pos x="connsiteX1" y="connsiteY1"/>
+              </a:cxn>
+              <a:cxn ang="0">
+                <a:pos x="connsiteX2" y="connsiteY2"/>
+              </a:cxn>
+              <a:cxn ang="0">
+                <a:pos x="connsiteX3" y="connsiteY3"/>
+              </a:cxn>
+            </a:cxnLst>
+            <a:rect l="l" t="t" r="r" b="b"/>
+            <a:pathLst>
+              <a:path w="12309832" h="7069736">
+                <a:moveTo>
+                  <a:pt x="119689" y="7069736"/>
+                </a:moveTo>
+                <a:lnTo>
+                  <a:pt x="12309832" y="6856956"/>
+                </a:lnTo>
+                <a:lnTo>
+                  <a:pt x="12190143" y="0"/>
+                </a:lnTo>
+                <a:lnTo>
+                  <a:pt x="0" y="212780"/>
+                </a:lnTo>
+                <a:close/>
+              </a:path>
+            </a:pathLst>
+          </a:custGeom>
+          <a:gradFill>
+            <a:gsLst>
+              <a:gs pos="32000">
+                <a:schemeClr val="bg2"/>
+              </a:gs>
+              <a:gs pos="100000">
+                <a:schemeClr val="accent1">
+                  <a:lumMod val="60000"/>
+                  <a:lumOff val="40000"/>
+                </a:schemeClr>
+              </a:gs>
+            </a:gsLst>
+            <a:lin ang="14400000" scaled="0"/>
+          </a:gradFill>
+          <a:ln>
+            <a:noFill/>
+          </a:ln>
+        </p:spPr>
+        <p:style>
+          <a:lnRef idx="2">
+            <a:schemeClr val="accent1">
+              <a:shade val="50000"/>
+            </a:schemeClr>
+          </a:lnRef>
+          <a:fillRef idx="1">
+            <a:schemeClr val="accent1"/>
+          </a:fillRef>
+          <a:effectRef idx="0">
+            <a:schemeClr val="accent1"/>
+          </a:effectRef>
+          <a:fontRef idx="minor">
+            <a:schemeClr val="lt1"/>
+          </a:fontRef>
+        </p:style>
+        <p:txBody>
+          <a:bodyPr wrap="square" rtlCol="0" anchor="ctr">
+            <a:noAutofit/>
+          </a:bodyPr>
+          <a:lstStyle/>
+          <a:p>
+            <a:pPr algn="ctr"/>
+            <a:endParaRPr lang="en-US">
+              <a:latin typeface="Times New Roman" panose="02020603050405020304" charset="0"/>
+              <a:cs typeface="Times New Roman" panose="02020603050405020304" charset="0"/>
+            </a:endParaRPr>
+          </a:p>
+        </p:txBody>
+      </p:sp>
+      <p:sp>
+        <p:nvSpPr>
+          <p:cNvPr id="2" name="Text Box 1"/>
+          <p:cNvSpPr txBox="1"/>
+          <p:nvPr/>
+        </p:nvSpPr>
+        <p:spPr>
+          <a:xfrm>
+            <a:off x="523875" y="252095"/>
+            <a:ext cx="5695315" cy="953135"/>
+          </a:xfrm>
+          <a:prstGeom prst="rect">
+            <a:avLst/>
+          </a:prstGeom>
+          <a:noFill/>
+        </p:spPr>
+        <p:txBody>
+          <a:bodyPr wrap="square" rtlCol="0">
+            <a:spAutoFit/>
+          </a:bodyPr>
+          <a:p>
+            <a:r>
+              <a:rPr lang="en-IN" sz="2800" b="1" dirty="0" smtClean="0">
+                <a:latin typeface="Times New Roman" panose="02020603050405020304" charset="0"/>
+                <a:cs typeface="Times New Roman" panose="02020603050405020304" charset="0"/>
+                <a:sym typeface="+mn-ea"/>
+              </a:rPr>
+              <a:t>9. System</a:t>
+            </a:r>
+            <a:br>
+              <a:rPr lang="en-IN" sz="2800" b="1" dirty="0" smtClean="0">
+                <a:latin typeface="Times New Roman" panose="02020603050405020304" charset="0"/>
+                <a:cs typeface="Times New Roman" panose="02020603050405020304" charset="0"/>
+                <a:sym typeface="+mn-ea"/>
+              </a:rPr>
+            </a:br>
+            <a:r>
+              <a:rPr lang="en-IN" sz="2800" b="1" dirty="0" smtClean="0">
+                <a:latin typeface="Times New Roman" panose="02020603050405020304" charset="0"/>
+                <a:cs typeface="Times New Roman" panose="02020603050405020304" charset="0"/>
+                <a:sym typeface="+mn-ea"/>
+              </a:rPr>
+              <a:t> Architecture  - L2</a:t>
+            </a:r>
+            <a:endParaRPr lang="en-IN" sz="2800" b="1" dirty="0" smtClean="0">
+              <a:latin typeface="Times New Roman" panose="02020603050405020304" charset="0"/>
+              <a:cs typeface="Times New Roman" panose="02020603050405020304" charset="0"/>
+              <a:sym typeface="+mn-ea"/>
+            </a:endParaRPr>
+          </a:p>
+        </p:txBody>
+      </p:sp>
+      <p:sp>
+        <p:nvSpPr>
+          <p:cNvPr id="5" name="Text Box 4"/>
+          <p:cNvSpPr txBox="1"/>
+          <p:nvPr/>
+        </p:nvSpPr>
+        <p:spPr>
+          <a:xfrm>
+            <a:off x="7303770" y="518160"/>
+            <a:ext cx="3712845" cy="645160"/>
+          </a:xfrm>
+          <a:prstGeom prst="rect">
+            <a:avLst/>
+          </a:prstGeom>
+          <a:noFill/>
+        </p:spPr>
+        <p:txBody>
+          <a:bodyPr wrap="square" rtlCol="0">
+            <a:spAutoFit/>
+          </a:bodyPr>
+          <a:p>
+            <a:r>
+              <a:rPr lang="en-IN" altLang="en-US">
+                <a:latin typeface="Times New Roman" panose="02020603050405020304" charset="0"/>
+                <a:cs typeface="Times New Roman" panose="02020603050405020304" charset="0"/>
+              </a:rPr>
+              <a:t>Figure 3: System architecture for proposed system at Level 2</a:t>
+            </a:r>
+            <a:endParaRPr lang="en-IN" altLang="en-US">
+              <a:latin typeface="Times New Roman" panose="02020603050405020304" charset="0"/>
+              <a:cs typeface="Times New Roman" panose="02020603050405020304" charset="0"/>
+            </a:endParaRPr>
+          </a:p>
+        </p:txBody>
+      </p:sp>
+      <p:pic>
+        <p:nvPicPr>
+          <p:cNvPr id="3" name="Picture 2" descr="Screenshot 2024-05-03 090223"/>
+          <p:cNvPicPr>
+            <a:picLocks noChangeAspect="1"/>
+          </p:cNvPicPr>
+          <p:nvPr/>
+        </p:nvPicPr>
+        <p:blipFill>
+          <a:blip r:embed="rId1"/>
+          <a:stretch>
+            <a:fillRect/>
+          </a:stretch>
+        </p:blipFill>
+        <p:spPr>
+          <a:xfrm>
+            <a:off x="699770" y="1383030"/>
+            <a:ext cx="10793095" cy="4953635"/>
+          </a:xfrm>
+          <a:prstGeom prst="rect">
+            <a:avLst/>
+          </a:prstGeom>
+        </p:spPr>
+      </p:pic>
+    </p:spTree>
+  </p:cSld>
+  <p:clrMapOvr>
+    <a:masterClrMapping/>
+  </p:clrMapOvr>
+</p:sld>
+</file>
+
 <file path=ppt/slides/slide16.xml><?xml version="1.0" encoding="utf-8"?>
 <p:sld xmlns:a="http://schemas.openxmlformats.org/drawingml/2006/main" xmlns:r="http://schemas.openxmlformats.org/officeDocument/2006/relationships" xmlns:p="http://schemas.openxmlformats.org/presentationml/2006/main">
   <p:cSld>
@@ -23879,8 +23460,8 @@
         </p:nvSpPr>
         <p:spPr>
           <a:xfrm>
-            <a:off x="400050" y="419100"/>
-            <a:ext cx="4349750" cy="1383665"/>
+            <a:off x="523875" y="252095"/>
+            <a:ext cx="5695315" cy="521970"/>
           </a:xfrm>
           <a:prstGeom prst="rect">
             <a:avLst/>
@@ -23898,37 +23479,7 @@
                 <a:cs typeface="Times New Roman" panose="02020603050405020304" charset="0"/>
                 <a:sym typeface="+mn-ea"/>
               </a:rPr>
-              <a:t>9. System</a:t>
-            </a:r>
-            <a:br>
-              <a:rPr lang="en-IN" sz="2800" b="1" dirty="0" smtClean="0">
-                <a:latin typeface="Times New Roman" panose="02020603050405020304" charset="0"/>
-                <a:cs typeface="Times New Roman" panose="02020603050405020304" charset="0"/>
-                <a:sym typeface="+mn-ea"/>
-              </a:rPr>
-            </a:br>
-            <a:r>
-              <a:rPr lang="en-IN" sz="2800" b="1" dirty="0" smtClean="0">
-                <a:latin typeface="Times New Roman" panose="02020603050405020304" charset="0"/>
-                <a:cs typeface="Times New Roman" panose="02020603050405020304" charset="0"/>
-                <a:sym typeface="+mn-ea"/>
-              </a:rPr>
-              <a:t> Architecture</a:t>
-            </a:r>
-            <a:endParaRPr lang="en-IN" sz="2800" b="1" dirty="0" smtClean="0">
-              <a:latin typeface="Times New Roman" panose="02020603050405020304" charset="0"/>
-              <a:cs typeface="Times New Roman" panose="02020603050405020304" charset="0"/>
-              <a:sym typeface="+mn-ea"/>
-            </a:endParaRPr>
-          </a:p>
-          <a:p>
-            <a:r>
-              <a:rPr lang="en-IN" sz="2800" b="1" dirty="0" smtClean="0">
-                <a:latin typeface="Times New Roman" panose="02020603050405020304" charset="0"/>
-                <a:cs typeface="Times New Roman" panose="02020603050405020304" charset="0"/>
-                <a:sym typeface="+mn-ea"/>
-              </a:rPr>
-              <a:t>- L2</a:t>
+              <a:t>9.1 Algorithm(Generalized)</a:t>
             </a:r>
             <a:endParaRPr lang="en-IN" sz="2800" b="1" dirty="0" smtClean="0">
               <a:latin typeface="Times New Roman" panose="02020603050405020304" charset="0"/>
@@ -23940,19 +23491,26 @@
       </p:sp>
       <p:sp>
         <p:nvSpPr>
-          <p:cNvPr id="5" name="Text Box 4"/>
+          <p:cNvPr id="4" name="Text Box 3"/>
           <p:cNvSpPr txBox="1"/>
           <p:nvPr/>
         </p:nvSpPr>
         <p:spPr>
           <a:xfrm>
-            <a:off x="400050" y="2596515"/>
-            <a:ext cx="3712845" cy="645160"/>
+            <a:off x="1664335" y="1182370"/>
+            <a:ext cx="8523605" cy="4799965"/>
           </a:xfrm>
           <a:prstGeom prst="rect">
             <a:avLst/>
           </a:prstGeom>
-          <a:noFill/>
+          <a:solidFill>
+            <a:schemeClr val="bg1"/>
+          </a:solidFill>
+          <a:ln>
+            <a:solidFill>
+              <a:schemeClr val="accent1"/>
+            </a:solidFill>
+          </a:ln>
         </p:spPr>
         <p:txBody>
           <a:bodyPr wrap="square" rtlCol="0">
@@ -23960,43 +23518,161 @@
           </a:bodyPr>
           <a:p>
             <a:r>
-              <a:rPr lang="en-IN" altLang="en-US">
-                <a:latin typeface="Times New Roman" panose="02020603050405020304" charset="0"/>
-                <a:cs typeface="Times New Roman" panose="02020603050405020304" charset="0"/>
-              </a:rPr>
-              <a:t>Figure 3: System architecture for proposed system at Level 2</a:t>
+              <a:rPr lang="en-US"/>
+              <a:t>Input File Handling:</a:t>
             </a:r>
-            <a:endParaRPr lang="en-IN" altLang="en-US">
-              <a:latin typeface="Times New Roman" panose="02020603050405020304" charset="0"/>
-              <a:cs typeface="Times New Roman" panose="02020603050405020304" charset="0"/>
-            </a:endParaRPr>
+            <a:endParaRPr lang="en-US"/>
+          </a:p>
+          <a:p>
+            <a:r>
+              <a:rPr lang="en-US"/>
+              <a:t>1.1. Check if the input file is a video or text file.</a:t>
+            </a:r>
+            <a:endParaRPr lang="en-US"/>
+          </a:p>
+          <a:p>
+            <a:r>
+              <a:rPr lang="en-US"/>
+              <a:t>1.2. If it's a text file:</a:t>
+            </a:r>
+            <a:endParaRPr lang="en-US"/>
+          </a:p>
+          <a:p>
+            <a:r>
+              <a:rPr lang="en-US"/>
+              <a:t>- Encrypt the text using AES.</a:t>
+            </a:r>
+            <a:endParaRPr lang="en-US"/>
+          </a:p>
+          <a:p>
+            <a:r>
+              <a:rPr lang="en-US"/>
+              <a:t>- Encrypt the AES key using RSA.</a:t>
+            </a:r>
+            <a:endParaRPr lang="en-US"/>
+          </a:p>
+          <a:p>
+            <a:r>
+              <a:rPr lang="en-US"/>
+              <a:t>- Send the AES-encrypted text and the RSA-encrypted AES key.</a:t>
+            </a:r>
+            <a:endParaRPr lang="en-US"/>
+          </a:p>
+          <a:p>
+            <a:r>
+              <a:rPr lang="en-US"/>
+              <a:t>1.3. If it's a video file:</a:t>
+            </a:r>
+            <a:endParaRPr lang="en-US"/>
+          </a:p>
+          <a:p>
+            <a:r>
+              <a:rPr lang="en-US"/>
+              <a:t>2. Generate video chunks from the input file.</a:t>
+            </a:r>
+            <a:endParaRPr lang="en-US"/>
+          </a:p>
+          <a:p>
+            <a:r>
+              <a:rPr lang="en-US"/>
+              <a:t>3. Fetch the receiver’s public key.</a:t>
+            </a:r>
+            <a:endParaRPr lang="en-US"/>
+          </a:p>
+          <a:p>
+            <a:r>
+              <a:rPr lang="en-US"/>
+              <a:t>4. Collect receiver’s attributes (Device ID, System Timestamp, Process ID).</a:t>
+            </a:r>
+            <a:endParaRPr lang="en-US"/>
+          </a:p>
+          <a:p>
+            <a:r>
+              <a:rPr lang="en-US"/>
+              <a:t>5. Encrypt the first video chunk (Vc0) using:</a:t>
+            </a:r>
+            <a:endParaRPr lang="en-US"/>
+          </a:p>
+          <a:p>
+            <a:r>
+              <a:rPr lang="en-US"/>
+              <a:t>- ECC-based expression</a:t>
+            </a:r>
+            <a:r>
+              <a:rPr lang="en-IN" altLang="en-US"/>
+              <a:t>(first 16 bytes of first chunk) and</a:t>
+            </a:r>
+            <a:r>
+              <a:rPr lang="en-US"/>
+              <a:t> Public key </a:t>
+            </a:r>
+            <a:endParaRPr lang="en-US"/>
+          </a:p>
+          <a:p>
+            <a:r>
+              <a:rPr lang="en-US"/>
+              <a:t>6. Encrypt Vc</a:t>
+            </a:r>
+            <a:r>
+              <a:rPr lang="en-IN" altLang="en-US"/>
+              <a:t>1</a:t>
+            </a:r>
+            <a:r>
+              <a:rPr lang="en-US"/>
+              <a:t> using ECC-based expression</a:t>
+            </a:r>
+            <a:r>
+              <a:rPr lang="en-IN" altLang="en-US"/>
+              <a:t>(system specific info)</a:t>
+            </a:r>
+            <a:endParaRPr lang="en-US"/>
+          </a:p>
+          <a:p>
+            <a:r>
+              <a:rPr lang="en-US"/>
+              <a:t>7. Generate</a:t>
+            </a:r>
+            <a:r>
+              <a:rPr lang="en-IN" altLang="en-US"/>
+              <a:t> subsequent</a:t>
+            </a:r>
+            <a:r>
+              <a:rPr lang="en-US"/>
+              <a:t> Key</a:t>
+            </a:r>
+            <a:r>
+              <a:rPr lang="en-IN" altLang="en-US"/>
+              <a:t>s</a:t>
+            </a:r>
+            <a:r>
+              <a:rPr lang="en-US"/>
+              <a:t> using ECC equation.</a:t>
+            </a:r>
+            <a:endParaRPr lang="en-US"/>
+          </a:p>
+          <a:p>
+            <a:r>
+              <a:rPr lang="en-US"/>
+              <a:t>8. Encrypt the next video chunk (Vc1) using Keya and AES.</a:t>
+            </a:r>
+            <a:endParaRPr lang="en-US"/>
+          </a:p>
+          <a:p>
+            <a:r>
+              <a:rPr lang="en-US"/>
+              <a:t>9. Repeat steps 7-8 for subsequent chunks until all chunks are encrypted.</a:t>
+            </a:r>
+            <a:endParaRPr lang="en-US"/>
+          </a:p>
+          <a:p>
+            <a:r>
+              <a:rPr lang="en-US"/>
+              <a:t>End.</a:t>
+            </a:r>
+            <a:endParaRPr lang="en-US"/>
           </a:p>
         </p:txBody>
       </p:sp>
-      <p:pic>
-        <p:nvPicPr>
-          <p:cNvPr id="4" name="Picture 3" descr="Level 2"/>
-          <p:cNvPicPr>
-            <a:picLocks noChangeAspect="1"/>
-          </p:cNvPicPr>
-          <p:nvPr/>
-        </p:nvPicPr>
-        <p:blipFill>
-          <a:blip r:embed="rId1"/>
-          <a:stretch>
-            <a:fillRect/>
-          </a:stretch>
-        </p:blipFill>
-        <p:spPr>
-          <a:xfrm>
-            <a:off x="3678555" y="0"/>
-            <a:ext cx="8513445" cy="6858000"/>
-          </a:xfrm>
-          <a:prstGeom prst="rect">
-            <a:avLst/>
-          </a:prstGeom>
-        </p:spPr>
-      </p:pic>
     </p:spTree>
   </p:cSld>
   <p:clrMapOvr>
@@ -24006,247 +23682,6 @@
 </file>
 
 <file path=ppt/slides/slide17.xml><?xml version="1.0" encoding="utf-8"?>
-<p:sld xmlns:a="http://schemas.openxmlformats.org/drawingml/2006/main" xmlns:r="http://schemas.openxmlformats.org/officeDocument/2006/relationships" xmlns:p="http://schemas.openxmlformats.org/presentationml/2006/main">
-  <p:cSld>
-    <p:spTree>
-      <p:nvGrpSpPr>
-        <p:cNvPr id="1" name=""/>
-        <p:cNvGrpSpPr/>
-        <p:nvPr/>
-      </p:nvGrpSpPr>
-      <p:grpSpPr/>
-      <p:sp>
-        <p:nvSpPr>
-          <p:cNvPr id="12" name="Freeform: Shape 11"/>
-          <p:cNvSpPr>
-            <a:spLocks noGrp="1" noRot="1" noChangeAspect="1" noMove="1" noResize="1" noEditPoints="1" noAdjustHandles="1" noChangeArrowheads="1" noChangeShapeType="1" noTextEdit="1"/>
-          </p:cNvSpPr>
-          <p:nvPr/>
-        </p:nvSpPr>
-        <p:spPr>
-          <a:xfrm rot="21540000" flipV="1">
-            <a:off x="-58916" y="-105868"/>
-            <a:ext cx="12309832" cy="7069736"/>
-          </a:xfrm>
-          <a:custGeom>
-            <a:avLst/>
-            <a:gdLst>
-              <a:gd name="connsiteX0" fmla="*/ 119689 w 12309832"/>
-              <a:gd name="connsiteY0" fmla="*/ 7069736 h 7069736"/>
-              <a:gd name="connsiteX1" fmla="*/ 12309832 w 12309832"/>
-              <a:gd name="connsiteY1" fmla="*/ 6856956 h 7069736"/>
-              <a:gd name="connsiteX2" fmla="*/ 12190143 w 12309832"/>
-              <a:gd name="connsiteY2" fmla="*/ 0 h 7069736"/>
-              <a:gd name="connsiteX3" fmla="*/ 0 w 12309832"/>
-              <a:gd name="connsiteY3" fmla="*/ 212780 h 7069736"/>
-            </a:gdLst>
-            <a:ahLst/>
-            <a:cxnLst>
-              <a:cxn ang="0">
-                <a:pos x="connsiteX0" y="connsiteY0"/>
-              </a:cxn>
-              <a:cxn ang="0">
-                <a:pos x="connsiteX1" y="connsiteY1"/>
-              </a:cxn>
-              <a:cxn ang="0">
-                <a:pos x="connsiteX2" y="connsiteY2"/>
-              </a:cxn>
-              <a:cxn ang="0">
-                <a:pos x="connsiteX3" y="connsiteY3"/>
-              </a:cxn>
-            </a:cxnLst>
-            <a:rect l="l" t="t" r="r" b="b"/>
-            <a:pathLst>
-              <a:path w="12309832" h="7069736">
-                <a:moveTo>
-                  <a:pt x="119689" y="7069736"/>
-                </a:moveTo>
-                <a:lnTo>
-                  <a:pt x="12309832" y="6856956"/>
-                </a:lnTo>
-                <a:lnTo>
-                  <a:pt x="12190143" y="0"/>
-                </a:lnTo>
-                <a:lnTo>
-                  <a:pt x="0" y="212780"/>
-                </a:lnTo>
-                <a:close/>
-              </a:path>
-            </a:pathLst>
-          </a:custGeom>
-          <a:gradFill>
-            <a:gsLst>
-              <a:gs pos="32000">
-                <a:schemeClr val="bg2"/>
-              </a:gs>
-              <a:gs pos="100000">
-                <a:schemeClr val="accent1">
-                  <a:lumMod val="60000"/>
-                  <a:lumOff val="40000"/>
-                </a:schemeClr>
-              </a:gs>
-            </a:gsLst>
-            <a:lin ang="14400000" scaled="0"/>
-          </a:gradFill>
-          <a:ln>
-            <a:noFill/>
-          </a:ln>
-        </p:spPr>
-        <p:style>
-          <a:lnRef idx="2">
-            <a:schemeClr val="accent1">
-              <a:shade val="50000"/>
-            </a:schemeClr>
-          </a:lnRef>
-          <a:fillRef idx="1">
-            <a:schemeClr val="accent1"/>
-          </a:fillRef>
-          <a:effectRef idx="0">
-            <a:schemeClr val="accent1"/>
-          </a:effectRef>
-          <a:fontRef idx="minor">
-            <a:schemeClr val="lt1"/>
-          </a:fontRef>
-        </p:style>
-        <p:txBody>
-          <a:bodyPr wrap="square" rtlCol="0" anchor="ctr">
-            <a:noAutofit/>
-          </a:bodyPr>
-          <a:lstStyle/>
-          <a:p>
-            <a:pPr algn="ctr"/>
-            <a:endParaRPr lang="en-US">
-              <a:latin typeface="Times New Roman" panose="02020603050405020304" charset="0"/>
-              <a:cs typeface="Times New Roman" panose="02020603050405020304" charset="0"/>
-            </a:endParaRPr>
-          </a:p>
-        </p:txBody>
-      </p:sp>
-      <p:sp>
-        <p:nvSpPr>
-          <p:cNvPr id="2" name="Text Box 1"/>
-          <p:cNvSpPr txBox="1"/>
-          <p:nvPr/>
-        </p:nvSpPr>
-        <p:spPr>
-          <a:xfrm>
-            <a:off x="400050" y="419100"/>
-            <a:ext cx="4064000" cy="953135"/>
-          </a:xfrm>
-          <a:prstGeom prst="rect">
-            <a:avLst/>
-          </a:prstGeom>
-          <a:noFill/>
-        </p:spPr>
-        <p:txBody>
-          <a:bodyPr wrap="square" rtlCol="0">
-            <a:spAutoFit/>
-          </a:bodyPr>
-          <a:p>
-            <a:r>
-              <a:rPr lang="en-IN" sz="2800" b="1" dirty="0" smtClean="0">
-                <a:latin typeface="Times New Roman" panose="02020603050405020304" charset="0"/>
-                <a:cs typeface="Times New Roman" panose="02020603050405020304" charset="0"/>
-                <a:sym typeface="+mn-ea"/>
-              </a:rPr>
-              <a:t>9. System Architecture</a:t>
-            </a:r>
-            <a:endParaRPr lang="en-IN" sz="2800" b="1" dirty="0" smtClean="0">
-              <a:latin typeface="Times New Roman" panose="02020603050405020304" charset="0"/>
-              <a:cs typeface="Times New Roman" panose="02020603050405020304" charset="0"/>
-              <a:sym typeface="+mn-ea"/>
-            </a:endParaRPr>
-          </a:p>
-          <a:p>
-            <a:r>
-              <a:rPr lang="en-IN" sz="2800" b="1" dirty="0" smtClean="0">
-                <a:latin typeface="Times New Roman" panose="02020603050405020304" charset="0"/>
-                <a:cs typeface="Times New Roman" panose="02020603050405020304" charset="0"/>
-                <a:sym typeface="+mn-ea"/>
-              </a:rPr>
-              <a:t>- State Diagram</a:t>
-            </a:r>
-            <a:endParaRPr lang="en-IN" sz="2800" b="1" dirty="0" smtClean="0">
-              <a:latin typeface="Times New Roman" panose="02020603050405020304" charset="0"/>
-              <a:cs typeface="Times New Roman" panose="02020603050405020304" charset="0"/>
-              <a:sym typeface="+mn-ea"/>
-            </a:endParaRPr>
-          </a:p>
-        </p:txBody>
-      </p:sp>
-      <p:sp>
-        <p:nvSpPr>
-          <p:cNvPr id="5" name="Text Box 4"/>
-          <p:cNvSpPr txBox="1"/>
-          <p:nvPr/>
-        </p:nvSpPr>
-        <p:spPr>
-          <a:xfrm>
-            <a:off x="886460" y="3244850"/>
-            <a:ext cx="3785870" cy="717550"/>
-          </a:xfrm>
-          <a:prstGeom prst="rect">
-            <a:avLst/>
-          </a:prstGeom>
-          <a:noFill/>
-        </p:spPr>
-        <p:txBody>
-          <a:bodyPr wrap="square" rtlCol="0">
-            <a:noAutofit/>
-          </a:bodyPr>
-          <a:p>
-            <a:r>
-              <a:rPr lang="en-IN" altLang="en-US">
-                <a:latin typeface="Times New Roman" panose="02020603050405020304" charset="0"/>
-                <a:cs typeface="Times New Roman" panose="02020603050405020304" charset="0"/>
-              </a:rPr>
-              <a:t>Figure 4: State of system during encryption</a:t>
-            </a:r>
-            <a:endParaRPr lang="en-IN" altLang="en-US">
-              <a:latin typeface="Times New Roman" panose="02020603050405020304" charset="0"/>
-              <a:cs typeface="Times New Roman" panose="02020603050405020304" charset="0"/>
-            </a:endParaRPr>
-          </a:p>
-        </p:txBody>
-      </p:sp>
-      <p:pic>
-        <p:nvPicPr>
-          <p:cNvPr id="3" name="Picture 2" descr="stateDiagram"/>
-          <p:cNvPicPr>
-            <a:picLocks noChangeAspect="1"/>
-          </p:cNvPicPr>
-          <p:nvPr/>
-        </p:nvPicPr>
-        <p:blipFill>
-          <a:blip r:embed="rId1"/>
-          <a:stretch>
-            <a:fillRect/>
-          </a:stretch>
-        </p:blipFill>
-        <p:spPr>
-          <a:xfrm>
-            <a:off x="5869305" y="419100"/>
-            <a:ext cx="5770880" cy="5838825"/>
-          </a:xfrm>
-          <a:prstGeom prst="rect">
-            <a:avLst/>
-          </a:prstGeom>
-          <a:ln>
-            <a:solidFill>
-              <a:schemeClr val="tx1"/>
-            </a:solidFill>
-          </a:ln>
-        </p:spPr>
-      </p:pic>
-    </p:spTree>
-  </p:cSld>
-  <p:clrMapOvr>
-    <a:masterClrMapping/>
-  </p:clrMapOvr>
-</p:sld>
-</file>
-
-<file path=ppt/slides/slide18.xml><?xml version="1.0" encoding="utf-8"?>
 <p:sld xmlns:a="http://schemas.openxmlformats.org/drawingml/2006/main" xmlns:r="http://schemas.openxmlformats.org/officeDocument/2006/relationships" xmlns:p="http://schemas.openxmlformats.org/presentationml/2006/main">
   <p:cSld>
     <p:bg>
@@ -24501,7 +23936,7 @@
         </p:spPr>
         <p:txBody>
           <a:bodyPr rot="0" spcFirstLastPara="0" vertOverflow="overflow" horzOverflow="overflow" vert="horz" lIns="91440" tIns="45720" rIns="91440" bIns="45720" numCol="1" spcCol="0" rtlCol="0" fromWordArt="0" anchorCtr="0" forceAA="0" compatLnSpc="1">
-            <a:normAutofit fontScale="90000" lnSpcReduction="20000"/>
+            <a:normAutofit/>
           </a:bodyPr>
           <a:lstStyle/>
           <a:p>
@@ -24564,7 +23999,11 @@
             </a:pPr>
             <a:r>
               <a:rPr lang="en-US" sz="2400"/>
-              <a:t>Time to Encrypt the Complete Video File</a:t>
+              <a:t>Time to Encrypt the Video File</a:t>
+            </a:r>
+            <a:r>
+              <a:rPr lang="en-IN" altLang="en-US" sz="2400"/>
+              <a:t>s</a:t>
             </a:r>
             <a:endParaRPr lang="en-US" sz="2400"/>
           </a:p>
@@ -24581,70 +24020,6 @@
             <a:r>
               <a:rPr lang="en-US" sz="2400"/>
               <a:t>Number of Keys Generated</a:t>
-            </a:r>
-            <a:endParaRPr lang="en-US" sz="2400"/>
-          </a:p>
-          <a:p>
-            <a:pPr marL="342900" indent="-228600">
-              <a:lnSpc>
-                <a:spcPct val="120000"/>
-              </a:lnSpc>
-              <a:spcAft>
-                <a:spcPts val="600"/>
-              </a:spcAft>
-              <a:buAutoNum type="arabicPeriod"/>
-            </a:pPr>
-            <a:r>
-              <a:rPr lang="en-US" sz="2400"/>
-              <a:t>End-to-End Decryption Delay</a:t>
-            </a:r>
-            <a:endParaRPr lang="en-US" sz="2400"/>
-          </a:p>
-          <a:p>
-            <a:pPr marL="342900" indent="-228600">
-              <a:lnSpc>
-                <a:spcPct val="120000"/>
-              </a:lnSpc>
-              <a:spcAft>
-                <a:spcPts val="600"/>
-              </a:spcAft>
-              <a:buAutoNum type="arabicPeriod"/>
-            </a:pPr>
-            <a:r>
-              <a:rPr lang="en-US" sz="2400"/>
-              <a:t>Key Strength (Diffusion)</a:t>
-            </a:r>
-            <a:endParaRPr lang="en-US" sz="2400"/>
-          </a:p>
-          <a:p>
-            <a:pPr marL="342900" indent="-228600">
-              <a:lnSpc>
-                <a:spcPct val="120000"/>
-              </a:lnSpc>
-              <a:spcAft>
-                <a:spcPts val="600"/>
-              </a:spcAft>
-              <a:buAutoNum type="arabicPeriod"/>
-            </a:pPr>
-            <a:r>
-              <a:rPr lang="en-US" sz="2400"/>
-              <a:t>Throughput (for Encrypted Data)</a:t>
-            </a:r>
-            <a:endParaRPr lang="en-US" sz="2400"/>
-          </a:p>
-          <a:p>
-            <a:pPr marL="342900" indent="-228600">
-              <a:lnSpc>
-                <a:spcPct val="120000"/>
-              </a:lnSpc>
-              <a:spcAft>
-                <a:spcPts val="600"/>
-              </a:spcAft>
-              <a:buAutoNum type="arabicPeriod"/>
-            </a:pPr>
-            <a:r>
-              <a:rPr lang="en-US" sz="2400"/>
-              <a:t>Scalability (Effect of Increasing the Key Size)</a:t>
             </a:r>
             <a:endParaRPr lang="en-US" sz="2400"/>
           </a:p>
@@ -24705,6 +24080,319 @@
           </a:p>
         </p:txBody>
       </p:sp>
+    </p:spTree>
+  </p:cSld>
+  <p:clrMapOvr>
+    <a:masterClrMapping/>
+  </p:clrMapOvr>
+</p:sld>
+</file>
+
+<file path=ppt/slides/slide18.xml><?xml version="1.0" encoding="utf-8"?>
+<p:sld xmlns:a="http://schemas.openxmlformats.org/drawingml/2006/main" xmlns:r="http://schemas.openxmlformats.org/officeDocument/2006/relationships" xmlns:p="http://schemas.openxmlformats.org/presentationml/2006/main">
+  <p:cSld>
+    <p:bg>
+      <p:bgPr>
+        <a:solidFill>
+          <a:schemeClr val="bg1"/>
+        </a:solidFill>
+        <a:effectLst/>
+      </p:bgPr>
+    </p:bg>
+    <p:spTree>
+      <p:nvGrpSpPr>
+        <p:cNvPr id="1" name=""/>
+        <p:cNvGrpSpPr/>
+        <p:nvPr/>
+      </p:nvGrpSpPr>
+      <p:grpSpPr>
+        <a:xfrm>
+          <a:off x="0" y="0"/>
+          <a:ext cx="0" cy="0"/>
+          <a:chOff x="0" y="0"/>
+          <a:chExt cx="0" cy="0"/>
+        </a:xfrm>
+      </p:grpSpPr>
+      <p:sp useBgFill="1">
+        <p:nvSpPr>
+          <p:cNvPr id="8" name="Rectangle 7"/>
+          <p:cNvSpPr>
+            <a:spLocks noGrp="1" noRot="1" noChangeAspect="1" noMove="1" noResize="1" noEditPoints="1" noAdjustHandles="1" noChangeArrowheads="1" noChangeShapeType="1" noTextEdit="1"/>
+          </p:cNvSpPr>
+          <p:nvPr/>
+        </p:nvSpPr>
+        <p:spPr>
+          <a:xfrm>
+            <a:off x="0" y="0"/>
+            <a:ext cx="12192000" cy="6858000"/>
+          </a:xfrm>
+          <a:prstGeom prst="rect">
+            <a:avLst/>
+          </a:prstGeom>
+          <a:ln w="12700" cap="flat" cmpd="sng" algn="ctr">
+            <a:noFill/>
+            <a:prstDash val="solid"/>
+            <a:miter lim="800000"/>
+          </a:ln>
+          <a:effectLst/>
+          <a:extLst>
+            <a:ext uri="{91240B29-F687-4F45-9708-019B960494DF}">
+              <a14:hiddenLine xmlns:a14="http://schemas.microsoft.com/office/drawing/2010/main" w="12700">
+                <a:solidFill>
+                  <a:schemeClr val="accent1">
+                    <a:shade val="50000"/>
+                  </a:schemeClr>
+                </a:solidFill>
+                <a:prstDash val="solid"/>
+                <a:miter lim="800000"/>
+                <a:headEnd/>
+                <a:tailEnd/>
+              </a14:hiddenLine>
+            </a:ext>
+          </a:extLst>
+        </p:spPr>
+        <p:style>
+          <a:lnRef idx="2">
+            <a:schemeClr val="accent1">
+              <a:shade val="50000"/>
+            </a:schemeClr>
+          </a:lnRef>
+          <a:fillRef idx="1">
+            <a:schemeClr val="accent1"/>
+          </a:fillRef>
+          <a:effectRef idx="0">
+            <a:schemeClr val="accent1"/>
+          </a:effectRef>
+          <a:fontRef idx="minor">
+            <a:schemeClr val="lt1"/>
+          </a:fontRef>
+        </p:style>
+        <p:txBody>
+          <a:bodyPr rtlCol="0" anchor="ctr"/>
+          <a:lstStyle/>
+          <a:p>
+            <a:pPr algn="ctr"/>
+            <a:endParaRPr lang="en-US"/>
+          </a:p>
+        </p:txBody>
+      </p:sp>
+      <p:sp>
+        <p:nvSpPr>
+          <p:cNvPr id="10" name="Freeform: Shape 9"/>
+          <p:cNvSpPr>
+            <a:spLocks noGrp="1" noRot="1" noChangeAspect="1" noMove="1" noResize="1" noEditPoints="1" noAdjustHandles="1" noChangeArrowheads="1" noChangeShapeType="1" noTextEdit="1"/>
+          </p:cNvSpPr>
+          <p:nvPr/>
+        </p:nvSpPr>
+        <p:spPr>
+          <a:xfrm rot="10800000">
+            <a:off x="-10795" y="-635"/>
+            <a:ext cx="3390900" cy="1997075"/>
+          </a:xfrm>
+          <a:custGeom>
+            <a:avLst/>
+            <a:gdLst>
+              <a:gd name="connsiteX0" fmla="*/ 5171297 w 5907885"/>
+              <a:gd name="connsiteY0" fmla="*/ 284 h 3479046"/>
+              <a:gd name="connsiteX1" fmla="*/ 5813217 w 5907885"/>
+              <a:gd name="connsiteY1" fmla="*/ 114238 h 3479046"/>
+              <a:gd name="connsiteX2" fmla="*/ 5907885 w 5907885"/>
+              <a:gd name="connsiteY2" fmla="*/ 151524 h 3479046"/>
+              <a:gd name="connsiteX3" fmla="*/ 5907885 w 5907885"/>
+              <a:gd name="connsiteY3" fmla="*/ 3479046 h 3479046"/>
+              <a:gd name="connsiteX4" fmla="*/ 0 w 5907885"/>
+              <a:gd name="connsiteY4" fmla="*/ 3479046 h 3479046"/>
+              <a:gd name="connsiteX5" fmla="*/ 3916974 w 5907885"/>
+              <a:gd name="connsiteY5" fmla="*/ 405504 h 3479046"/>
+              <a:gd name="connsiteX6" fmla="*/ 3959456 w 5907885"/>
+              <a:gd name="connsiteY6" fmla="*/ 373857 h 3479046"/>
+              <a:gd name="connsiteX7" fmla="*/ 5052215 w 5907885"/>
+              <a:gd name="connsiteY7" fmla="*/ 1756 h 3479046"/>
+              <a:gd name="connsiteX8" fmla="*/ 5171297 w 5907885"/>
+              <a:gd name="connsiteY8" fmla="*/ 284 h 3479046"/>
+            </a:gdLst>
+            <a:ahLst/>
+            <a:cxnLst>
+              <a:cxn ang="0">
+                <a:pos x="connsiteX0" y="connsiteY0"/>
+              </a:cxn>
+              <a:cxn ang="0">
+                <a:pos x="connsiteX1" y="connsiteY1"/>
+              </a:cxn>
+              <a:cxn ang="0">
+                <a:pos x="connsiteX2" y="connsiteY2"/>
+              </a:cxn>
+              <a:cxn ang="0">
+                <a:pos x="connsiteX3" y="connsiteY3"/>
+              </a:cxn>
+              <a:cxn ang="0">
+                <a:pos x="connsiteX4" y="connsiteY4"/>
+              </a:cxn>
+              <a:cxn ang="0">
+                <a:pos x="connsiteX5" y="connsiteY5"/>
+              </a:cxn>
+              <a:cxn ang="0">
+                <a:pos x="connsiteX6" y="connsiteY6"/>
+              </a:cxn>
+              <a:cxn ang="0">
+                <a:pos x="connsiteX7" y="connsiteY7"/>
+              </a:cxn>
+              <a:cxn ang="0">
+                <a:pos x="connsiteX8" y="connsiteY8"/>
+              </a:cxn>
+            </a:cxnLst>
+            <a:rect l="l" t="t" r="r" b="b"/>
+            <a:pathLst>
+              <a:path w="5907885" h="3479046">
+                <a:moveTo>
+                  <a:pt x="5171297" y="284"/>
+                </a:moveTo>
+                <a:cubicBezTo>
+                  <a:pt x="5389485" y="3908"/>
+                  <a:pt x="5606422" y="42249"/>
+                  <a:pt x="5813217" y="114238"/>
+                </a:cubicBezTo>
+                <a:lnTo>
+                  <a:pt x="5907885" y="151524"/>
+                </a:lnTo>
+                <a:lnTo>
+                  <a:pt x="5907885" y="3479046"/>
+                </a:lnTo>
+                <a:lnTo>
+                  <a:pt x="0" y="3479046"/>
+                </a:lnTo>
+                <a:lnTo>
+                  <a:pt x="3916974" y="405504"/>
+                </a:lnTo>
+                <a:lnTo>
+                  <a:pt x="3959456" y="373857"/>
+                </a:lnTo>
+                <a:cubicBezTo>
+                  <a:pt x="4291086" y="139664"/>
+                  <a:pt x="4671097" y="17528"/>
+                  <a:pt x="5052215" y="1756"/>
+                </a:cubicBezTo>
+                <a:cubicBezTo>
+                  <a:pt x="5091916" y="114"/>
+                  <a:pt x="5131627" y="-375"/>
+                  <a:pt x="5171297" y="284"/>
+                </a:cubicBezTo>
+                <a:close/>
+              </a:path>
+            </a:pathLst>
+          </a:custGeom>
+          <a:gradFill>
+            <a:gsLst>
+              <a:gs pos="40000">
+                <a:schemeClr val="bg2"/>
+              </a:gs>
+              <a:gs pos="100000">
+                <a:schemeClr val="accent1">
+                  <a:lumMod val="60000"/>
+                  <a:lumOff val="40000"/>
+                </a:schemeClr>
+              </a:gs>
+            </a:gsLst>
+            <a:lin ang="1800000" scaled="0"/>
+          </a:gradFill>
+          <a:ln>
+            <a:noFill/>
+          </a:ln>
+        </p:spPr>
+        <p:style>
+          <a:lnRef idx="2">
+            <a:schemeClr val="accent1">
+              <a:shade val="50000"/>
+            </a:schemeClr>
+          </a:lnRef>
+          <a:fillRef idx="1">
+            <a:schemeClr val="accent1"/>
+          </a:fillRef>
+          <a:effectRef idx="0">
+            <a:schemeClr val="accent1"/>
+          </a:effectRef>
+          <a:fontRef idx="minor">
+            <a:schemeClr val="lt1"/>
+          </a:fontRef>
+        </p:style>
+        <p:txBody>
+          <a:bodyPr wrap="square" rtlCol="0" anchor="ctr">
+            <a:noAutofit/>
+          </a:bodyPr>
+          <a:lstStyle/>
+          <a:p>
+            <a:pPr algn="ctr"/>
+            <a:endParaRPr lang="en-US"/>
+          </a:p>
+        </p:txBody>
+      </p:sp>
+      <p:sp>
+        <p:nvSpPr>
+          <p:cNvPr id="3" name="TextBox 2"/>
+          <p:cNvSpPr txBox="1"/>
+          <p:nvPr/>
+        </p:nvSpPr>
+        <p:spPr>
+          <a:xfrm>
+            <a:off x="3861962" y="737019"/>
+            <a:ext cx="4468483" cy="521970"/>
+          </a:xfrm>
+          <a:prstGeom prst="rect">
+            <a:avLst/>
+          </a:prstGeom>
+          <a:noFill/>
+        </p:spPr>
+        <p:txBody>
+          <a:bodyPr rot="0" spcFirstLastPara="0" vertOverflow="overflow" horzOverflow="overflow" vert="horz" wrap="square" lIns="91440" tIns="45720" rIns="91440" bIns="45720" numCol="1" spcCol="0" rtlCol="0" fromWordArt="0" anchor="t" anchorCtr="0" forceAA="0" compatLnSpc="1">
+            <a:spAutoFit/>
+          </a:bodyPr>
+          <a:lstStyle/>
+          <a:p>
+            <a:pPr>
+              <a:spcAft>
+                <a:spcPts val="600"/>
+              </a:spcAft>
+            </a:pPr>
+            <a:r>
+              <a:rPr lang="en-IN" altLang="en-US" sz="2800" b="1" dirty="0"/>
+              <a:t>10. </a:t>
+            </a:r>
+            <a:r>
+              <a:rPr lang="en-US" sz="2800" b="1" dirty="0"/>
+              <a:t>Performance </a:t>
+            </a:r>
+            <a:r>
+              <a:rPr lang="en-IN" altLang="en-US" sz="2800" b="1" dirty="0"/>
+              <a:t>test</a:t>
+            </a:r>
+            <a:endParaRPr lang="en-IN" altLang="en-US" sz="2800" b="1" dirty="0"/>
+          </a:p>
+        </p:txBody>
+      </p:sp>
+      <p:pic>
+        <p:nvPicPr>
+          <p:cNvPr id="4" name="Picture 3"/>
+          <p:cNvPicPr>
+            <a:picLocks noChangeAspect="1"/>
+          </p:cNvPicPr>
+          <p:nvPr/>
+        </p:nvPicPr>
+        <p:blipFill>
+          <a:blip r:embed="rId1"/>
+          <a:stretch>
+            <a:fillRect/>
+          </a:stretch>
+        </p:blipFill>
+        <p:spPr>
+          <a:xfrm>
+            <a:off x="1781175" y="1708785"/>
+            <a:ext cx="7725410" cy="3504565"/>
+          </a:xfrm>
+          <a:prstGeom prst="rect">
+            <a:avLst/>
+          </a:prstGeom>
+        </p:spPr>
+      </p:pic>
     </p:spTree>
   </p:cSld>
   <p:clrMapOvr>
